--- a/Main_Housing Affordability.pptx
+++ b/Main_Housing Affordability.pptx
@@ -133,6 +133,7 @@
 <file path=ppt/revisionInfo.xml><?xml version="1.0" encoding="utf-8"?>
 <p1510:revInfo xmlns:a="http://schemas.openxmlformats.org/drawingml/2006/main" xmlns:r="http://schemas.openxmlformats.org/officeDocument/2006/relationships" xmlns:p1510="http://schemas.microsoft.com/office/powerpoint/2015/10/main">
   <p1510:revLst>
+    <p1510:client id="{1D8A1C52-BD4A-48B0-A173-C1F738A9ABBA}" v="2" dt="2024-07-11T07:41:45.198"/>
     <p1510:client id="{2B8BFDA5-1BD1-4DD9-B2A1-F91E66EF25E9}" v="1" dt="2024-07-10T11:20:43.818"/>
     <p1510:client id="{B651CC4D-2F25-413B-8BC3-7E40E940BFD5}" v="11" dt="2024-07-11T04:41:04.159"/>
   </p1510:revLst>
@@ -141,6 +142,43 @@
 
 <file path=ppt/changesInfos/changesInfo1.xml><?xml version="1.0" encoding="utf-8"?>
 <pc:chgInfo xmlns:a="http://schemas.openxmlformats.org/drawingml/2006/main" xmlns:r="http://schemas.openxmlformats.org/officeDocument/2006/relationships" xmlns:ac="http://schemas.microsoft.com/office/drawing/2013/main/command" xmlns:pc="http://schemas.microsoft.com/office/powerpoint/2013/main/command">
+  <pc:docChgLst>
+    <pc:chgData name="Rakhi Singh" userId="202c3a3e4e99b439" providerId="LiveId" clId="{1D8A1C52-BD4A-48B0-A173-C1F738A9ABBA}"/>
+    <pc:docChg chg="custSel modSld">
+      <pc:chgData name="Rakhi Singh" userId="202c3a3e4e99b439" providerId="LiveId" clId="{1D8A1C52-BD4A-48B0-A173-C1F738A9ABBA}" dt="2024-07-11T07:45:34.376" v="47"/>
+      <pc:docMkLst>
+        <pc:docMk/>
+      </pc:docMkLst>
+      <pc:sldChg chg="modNotesTx">
+        <pc:chgData name="Rakhi Singh" userId="202c3a3e4e99b439" providerId="LiveId" clId="{1D8A1C52-BD4A-48B0-A173-C1F738A9ABBA}" dt="2024-07-11T07:40:52.378" v="5" actId="20577"/>
+        <pc:sldMkLst>
+          <pc:docMk/>
+          <pc:sldMk cId="4014857025" sldId="268"/>
+        </pc:sldMkLst>
+      </pc:sldChg>
+      <pc:sldChg chg="modNotesTx">
+        <pc:chgData name="Rakhi Singh" userId="202c3a3e4e99b439" providerId="LiveId" clId="{1D8A1C52-BD4A-48B0-A173-C1F738A9ABBA}" dt="2024-07-11T07:44:20.638" v="40" actId="20577"/>
+        <pc:sldMkLst>
+          <pc:docMk/>
+          <pc:sldMk cId="2348665548" sldId="269"/>
+        </pc:sldMkLst>
+      </pc:sldChg>
+      <pc:sldChg chg="modNotesTx">
+        <pc:chgData name="Rakhi Singh" userId="202c3a3e4e99b439" providerId="LiveId" clId="{1D8A1C52-BD4A-48B0-A173-C1F738A9ABBA}" dt="2024-07-11T07:45:13.699" v="46" actId="113"/>
+        <pc:sldMkLst>
+          <pc:docMk/>
+          <pc:sldMk cId="1505642617" sldId="270"/>
+        </pc:sldMkLst>
+      </pc:sldChg>
+      <pc:sldChg chg="modNotesTx">
+        <pc:chgData name="Rakhi Singh" userId="202c3a3e4e99b439" providerId="LiveId" clId="{1D8A1C52-BD4A-48B0-A173-C1F738A9ABBA}" dt="2024-07-11T07:45:34.376" v="47"/>
+        <pc:sldMkLst>
+          <pc:docMk/>
+          <pc:sldMk cId="615671608" sldId="271"/>
+        </pc:sldMkLst>
+      </pc:sldChg>
+    </pc:docChg>
+  </pc:docChgLst>
   <pc:docChgLst>
     <pc:chgData name="Rakhi Singh" userId="202c3a3e4e99b439" providerId="LiveId" clId="{2B8BFDA5-1BD1-4DD9-B2A1-F91E66EF25E9}"/>
     <pc:docChg chg="undo custSel addSld modSld">
@@ -1365,9 +1403,9 @@
           <a:bodyPr/>
           <a:lstStyle/>
           <a:p>
-            <a:pPr algn="l"/>
-            <a:r>
-              <a:rPr lang="en-GB" b="1" i="0" dirty="0">
+            <a:pPr algn="l" rtl="0" fontAlgn="base"/>
+            <a:r>
+              <a:rPr lang="en-GB" sz="1800" b="0" i="0" dirty="0">
                 <a:solidFill>
                   <a:srgbClr val="000000"/>
                 </a:solidFill>
@@ -1375,14 +1413,11 @@
                 <a:highlight>
                   <a:srgbClr val="FFFFFF"/>
                 </a:highlight>
-                <a:latin typeface="Helvetica Neue"/>
+                <a:latin typeface="Calibri" panose="020F0502020204030204" pitchFamily="34" charset="0"/>
               </a:rPr>
-              <a:t>Per Annum Growth and School Rank Analysis</a:t>
-            </a:r>
-          </a:p>
-          <a:p>
-            <a:pPr algn="l"/>
-            <a:endParaRPr lang="en-GB" b="1" i="0" dirty="0">
+              <a:t>This study explores the relationship between the quality of schools, as indicated by their rank, and the dynamics of housing prices and affordability in various suburbs of Melbourne. </a:t>
+            </a:r>
+            <a:endParaRPr lang="en-GB" b="0" i="0" dirty="0">
               <a:solidFill>
                 <a:srgbClr val="000000"/>
               </a:solidFill>
@@ -1390,16 +1425,13 @@
               <a:highlight>
                 <a:srgbClr val="FFFFFF"/>
               </a:highlight>
-              <a:latin typeface="Helvetica Neue"/>
+              <a:latin typeface="Segoe UI" panose="020B0502040204020203" pitchFamily="34" charset="0"/>
             </a:endParaRPr>
           </a:p>
           <a:p>
-            <a:pPr algn="l">
-              <a:buFont typeface="Arial" panose="020B0604020202020204" pitchFamily="34" charset="0"/>
-              <a:buChar char="•"/>
-            </a:pPr>
-            <a:r>
-              <a:rPr lang="en-GB" b="1" i="0" dirty="0">
+            <a:pPr algn="l" rtl="0" fontAlgn="base"/>
+            <a:r>
+              <a:rPr lang="en-GB" sz="1800" b="0" i="0" dirty="0">
                 <a:solidFill>
                   <a:srgbClr val="000000"/>
                 </a:solidFill>
@@ -1407,12 +1439,28 @@
                 <a:highlight>
                   <a:srgbClr val="FFFFFF"/>
                 </a:highlight>
-                <a:latin typeface="Helvetica Neue"/>
+                <a:latin typeface="Times New Roman" panose="02020603050405020304" pitchFamily="18" charset="0"/>
               </a:rPr>
-              <a:t>Pearson correlation coefficient</a:t>
-            </a:r>
-            <a:r>
-              <a:rPr lang="en-GB" b="0" i="0" dirty="0">
+              <a:t>We utilized data from reputable sources such as Better Education and Property Sales Statistics from the Victorian government to conduct our analysis.  </a:t>
+            </a:r>
+          </a:p>
+          <a:p>
+            <a:pPr algn="l" rtl="0" fontAlgn="base"/>
+            <a:endParaRPr lang="en-GB" b="0" i="0" dirty="0">
+              <a:solidFill>
+                <a:srgbClr val="000000"/>
+              </a:solidFill>
+              <a:effectLst/>
+              <a:highlight>
+                <a:srgbClr val="FFFFFF"/>
+              </a:highlight>
+              <a:latin typeface="Segoe UI" panose="020B0502040204020203" pitchFamily="34" charset="0"/>
+            </a:endParaRPr>
+          </a:p>
+          <a:p>
+            <a:pPr algn="l" rtl="0" fontAlgn="base"/>
+            <a:r>
+              <a:rPr lang="en-GB" sz="1800" b="0" i="0" dirty="0">
                 <a:solidFill>
                   <a:srgbClr val="000000"/>
                 </a:solidFill>
@@ -1420,15 +1468,28 @@
                 <a:highlight>
                   <a:srgbClr val="FFFFFF"/>
                 </a:highlight>
-                <a:latin typeface="Helvetica Neue"/>
+                <a:latin typeface="Times New Roman" panose="02020603050405020304" pitchFamily="18" charset="0"/>
               </a:rPr>
-              <a:t>: 0.1874315234737049</a:t>
-            </a:r>
-          </a:p>
-          <a:p>
-            <a:pPr algn="l"/>
-            <a:r>
-              <a:rPr lang="en-GB" b="0" i="0" dirty="0">
+              <a:t>By applying hypothesis testing techniques, we aim to answer two critical research questions: </a:t>
+            </a:r>
+            <a:endParaRPr lang="en-GB" b="0" i="0" dirty="0">
+              <a:solidFill>
+                <a:srgbClr val="000000"/>
+              </a:solidFill>
+              <a:effectLst/>
+              <a:highlight>
+                <a:srgbClr val="FFFFFF"/>
+              </a:highlight>
+              <a:latin typeface="Segoe UI" panose="020B0502040204020203" pitchFamily="34" charset="0"/>
+            </a:endParaRPr>
+          </a:p>
+          <a:p>
+            <a:pPr algn="l" rtl="0" fontAlgn="base">
+              <a:buFont typeface="+mj-lt"/>
+              <a:buAutoNum type="arabicPeriod"/>
+            </a:pPr>
+            <a:r>
+              <a:rPr lang="en-GB" sz="1800" b="0" i="0" dirty="0">
                 <a:solidFill>
                   <a:srgbClr val="000000"/>
                 </a:solidFill>
@@ -1436,31 +1497,18 @@
                 <a:highlight>
                   <a:srgbClr val="FFFFFF"/>
                 </a:highlight>
-                <a:latin typeface="Helvetica Neue"/>
+                <a:latin typeface="Calibri" panose="020F0502020204030204" pitchFamily="34" charset="0"/>
               </a:rPr>
-              <a:t>The correlation coefficient indicates a weak positive relationship between school rank and annual growth, suggesting a slight tendency for improved school rankings to correlate with increased annual growth. However, the correlation is too weak to be considered statistically significant.</a:t>
-            </a:r>
-          </a:p>
-          <a:p>
-            <a:pPr algn="l"/>
-            <a:endParaRPr lang="en-GB" b="0" i="0" dirty="0">
-              <a:solidFill>
-                <a:srgbClr val="000000"/>
-              </a:solidFill>
-              <a:effectLst/>
-              <a:highlight>
-                <a:srgbClr val="FFFFFF"/>
-              </a:highlight>
-              <a:latin typeface="Helvetica Neue"/>
-            </a:endParaRPr>
-          </a:p>
-          <a:p>
-            <a:pPr algn="l">
-              <a:buFont typeface="Arial" panose="020B0604020202020204" pitchFamily="34" charset="0"/>
-              <a:buChar char="•"/>
+              <a:t>How does the rank of schools within a suburb influence the annual growth rate of house prices? </a:t>
+            </a:r>
+          </a:p>
+          <a:p>
+            <a:pPr algn="l" rtl="0" fontAlgn="base">
+              <a:buFont typeface="+mj-lt"/>
+              <a:buAutoNum type="arabicPeriod" startAt="2"/>
             </a:pPr>
             <a:r>
-              <a:rPr lang="en-GB" b="1" i="0" dirty="0">
+              <a:rPr lang="en-GB" sz="1800" b="0" i="0" dirty="0">
                 <a:solidFill>
                   <a:srgbClr val="000000"/>
                 </a:solidFill>
@@ -1468,12 +1516,31 @@
                 <a:highlight>
                   <a:srgbClr val="FFFFFF"/>
                 </a:highlight>
-                <a:latin typeface="Helvetica Neue"/>
+                <a:latin typeface="Calibri" panose="020F0502020204030204" pitchFamily="34" charset="0"/>
               </a:rPr>
-              <a:t>P-value</a:t>
-            </a:r>
-            <a:r>
-              <a:rPr lang="en-GB" b="0" i="0" dirty="0">
+              <a:t>Is there a correlation between the per annum growth of house prices and the school rank of the suburb? </a:t>
+            </a:r>
+          </a:p>
+          <a:p>
+            <a:pPr algn="l" rtl="0" fontAlgn="base">
+              <a:buFont typeface="+mj-lt"/>
+              <a:buAutoNum type="arabicPeriod" startAt="2"/>
+            </a:pPr>
+            <a:endParaRPr lang="en-GB" sz="1800" b="0" i="0" dirty="0">
+              <a:solidFill>
+                <a:srgbClr val="000000"/>
+              </a:solidFill>
+              <a:effectLst/>
+              <a:highlight>
+                <a:srgbClr val="FFFFFF"/>
+              </a:highlight>
+              <a:latin typeface="Calibri" panose="020F0502020204030204" pitchFamily="34" charset="0"/>
+            </a:endParaRPr>
+          </a:p>
+          <a:p>
+            <a:pPr algn="l" rtl="0" fontAlgn="base"/>
+            <a:r>
+              <a:rPr lang="en-GB" sz="1800" b="0" i="0" dirty="0">
                 <a:solidFill>
                   <a:srgbClr val="000000"/>
                 </a:solidFill>
@@ -1481,29 +1548,10 @@
                 <a:highlight>
                   <a:srgbClr val="FFFFFF"/>
                 </a:highlight>
-                <a:latin typeface="Helvetica Neue"/>
+                <a:latin typeface="Times New Roman" panose="02020603050405020304" pitchFamily="18" charset="0"/>
               </a:rPr>
-              <a:t>: 0.0632066020143343</a:t>
-            </a:r>
-          </a:p>
-          <a:p>
-            <a:pPr algn="l"/>
-            <a:r>
-              <a:rPr lang="en-GB" b="0" i="0" dirty="0">
-                <a:solidFill>
-                  <a:srgbClr val="000000"/>
-                </a:solidFill>
-                <a:effectLst/>
-                <a:highlight>
-                  <a:srgbClr val="FFFFFF"/>
-                </a:highlight>
-                <a:latin typeface="Helvetica Neue"/>
-              </a:rPr>
-              <a:t>The p-value falls just short of the conventional significance threshold of 0.05, indicating that the observed correlation may be due to chance rather than a genuine relationship. As a result, we fail to reject the null hypothesis, which states that there is no correlation between school rank and annual growth.</a:t>
-            </a:r>
-          </a:p>
-          <a:p>
-            <a:pPr algn="l"/>
+              <a:t>The house prices directly relates to house affordability. When house prices go up, it becomes harder for people to afford to buy a home.  </a:t>
+            </a:r>
             <a:endParaRPr lang="en-GB" b="0" i="0" dirty="0">
               <a:solidFill>
                 <a:srgbClr val="000000"/>
@@ -1512,139 +1560,8 @@
               <a:highlight>
                 <a:srgbClr val="FFFFFF"/>
               </a:highlight>
-              <a:latin typeface="Helvetica Neue"/>
+              <a:latin typeface="Segoe UI" panose="020B0502040204020203" pitchFamily="34" charset="0"/>
             </a:endParaRPr>
-          </a:p>
-          <a:p>
-            <a:pPr algn="l"/>
-            <a:r>
-              <a:rPr lang="en-GB" b="1" i="0" dirty="0">
-                <a:solidFill>
-                  <a:srgbClr val="000000"/>
-                </a:solidFill>
-                <a:effectLst/>
-                <a:highlight>
-                  <a:srgbClr val="FFFFFF"/>
-                </a:highlight>
-                <a:latin typeface="Helvetica Neue"/>
-              </a:rPr>
-              <a:t>Hypothesis:</a:t>
-            </a:r>
-          </a:p>
-          <a:p>
-            <a:pPr algn="l"/>
-            <a:r>
-              <a:rPr lang="en-GB" b="1" i="0" dirty="0">
-                <a:solidFill>
-                  <a:srgbClr val="000000"/>
-                </a:solidFill>
-                <a:effectLst/>
-                <a:highlight>
-                  <a:srgbClr val="FFFFFF"/>
-                </a:highlight>
-                <a:latin typeface="Helvetica Neue"/>
-              </a:rPr>
-              <a:t>Null Hypothesis </a:t>
-            </a:r>
-            <a:r>
-              <a:rPr lang="en-GB" b="0" i="0" dirty="0">
-                <a:solidFill>
-                  <a:srgbClr val="000000"/>
-                </a:solidFill>
-                <a:effectLst/>
-                <a:highlight>
-                  <a:srgbClr val="FFFFFF"/>
-                </a:highlight>
-                <a:latin typeface="Helvetica Neue"/>
-              </a:rPr>
-              <a:t>(H₀): No correlation exists between annual growth and school rank.</a:t>
-            </a:r>
-            <a:br>
-              <a:rPr lang="en-GB" b="0" i="0" dirty="0">
-                <a:solidFill>
-                  <a:srgbClr val="000000"/>
-                </a:solidFill>
-                <a:effectLst/>
-                <a:highlight>
-                  <a:srgbClr val="FFFFFF"/>
-                </a:highlight>
-                <a:latin typeface="Helvetica Neue"/>
-              </a:rPr>
-            </a:br>
-            <a:r>
-              <a:rPr lang="en-GB" b="1" i="0" dirty="0">
-                <a:solidFill>
-                  <a:srgbClr val="000000"/>
-                </a:solidFill>
-                <a:effectLst/>
-                <a:highlight>
-                  <a:srgbClr val="FFFFFF"/>
-                </a:highlight>
-                <a:latin typeface="Helvetica Neue"/>
-              </a:rPr>
-              <a:t>Alternate Hypothesis </a:t>
-            </a:r>
-            <a:r>
-              <a:rPr lang="en-GB" b="0" i="0" dirty="0">
-                <a:solidFill>
-                  <a:srgbClr val="000000"/>
-                </a:solidFill>
-                <a:effectLst/>
-                <a:highlight>
-                  <a:srgbClr val="FFFFFF"/>
-                </a:highlight>
-                <a:latin typeface="Helvetica Neue"/>
-              </a:rPr>
-              <a:t>(H₁): A correlation exists between annual growth and school rank.</a:t>
-            </a:r>
-          </a:p>
-          <a:p>
-            <a:pPr algn="l"/>
-            <a:endParaRPr lang="en-GB" b="0" i="0" dirty="0">
-              <a:solidFill>
-                <a:srgbClr val="000000"/>
-              </a:solidFill>
-              <a:effectLst/>
-              <a:highlight>
-                <a:srgbClr val="FFFFFF"/>
-              </a:highlight>
-              <a:latin typeface="Helvetica Neue"/>
-            </a:endParaRPr>
-          </a:p>
-          <a:p>
-            <a:pPr algn="l"/>
-            <a:r>
-              <a:rPr lang="en-GB" b="1" i="0" dirty="0">
-                <a:solidFill>
-                  <a:srgbClr val="000000"/>
-                </a:solidFill>
-                <a:effectLst/>
-                <a:highlight>
-                  <a:srgbClr val="FFFFFF"/>
-                </a:highlight>
-                <a:latin typeface="Helvetica Neue"/>
-              </a:rPr>
-              <a:t>Conclusion:</a:t>
-            </a:r>
-          </a:p>
-          <a:p>
-            <a:pPr algn="l"/>
-            <a:r>
-              <a:rPr lang="en-GB" b="0" i="0" dirty="0">
-                <a:solidFill>
-                  <a:srgbClr val="000000"/>
-                </a:solidFill>
-                <a:effectLst/>
-                <a:highlight>
-                  <a:srgbClr val="FFFFFF"/>
-                </a:highlight>
-                <a:latin typeface="Helvetica Neue"/>
-              </a:rPr>
-              <a:t>The weak positive correlation observed between school rank and annual growth is not statistically significant at the 0.05 level. This suggests that the relationship may be due to chance. To draw stronger conclusions, additional data may be necessary.</a:t>
-            </a:r>
-          </a:p>
-          <a:p>
-            <a:endParaRPr lang="en-AU" dirty="0"/>
           </a:p>
         </p:txBody>
       </p:sp>
@@ -1663,9 +1580,9 @@
           <a:bodyPr/>
           <a:lstStyle/>
           <a:p>
-            <a:fld id="{18663E61-4226-41C9-96C1-7B6A185AA244}" type="slidenum">
+            <a:fld id="{0D59FAD9-9851-4E08-9742-BDB96C908EC2}" type="slidenum">
               <a:rPr lang="en-AU" smtClean="0"/>
-              <a:t>9</a:t>
+              <a:t>8</a:t>
             </a:fld>
             <a:endParaRPr lang="en-AU"/>
           </a:p>
@@ -1674,7 +1591,7 @@
     </p:spTree>
     <p:extLst>
       <p:ext uri="{BB962C8B-B14F-4D97-AF65-F5344CB8AC3E}">
-        <p14:creationId xmlns:p14="http://schemas.microsoft.com/office/powerpoint/2010/main" val="3947579989"/>
+        <p14:creationId xmlns:p14="http://schemas.microsoft.com/office/powerpoint/2010/main" val="1639099726"/>
       </p:ext>
     </p:extLst>
   </p:cSld>
@@ -1730,24 +1647,21 @@
           <a:p>
             <a:pPr algn="l" rtl="0" fontAlgn="base"/>
             <a:r>
-              <a:rPr lang="en-GB" sz="1800" b="1" i="0" dirty="0">
+              <a:rPr lang="en-GB" sz="1800" b="0" i="0" dirty="0">
                 <a:solidFill>
-                  <a:srgbClr val="2F5496"/>
+                  <a:srgbClr val="3D3B40"/>
                 </a:solidFill>
                 <a:effectLst/>
                 <a:highlight>
                   <a:srgbClr val="FFFFFF"/>
                 </a:highlight>
-                <a:latin typeface="Segoe UI" panose="020B0502040204020203" pitchFamily="34" charset="0"/>
+                <a:latin typeface="Helvetica Neue"/>
               </a:rPr>
-              <a:t>House Price Increase and School Rank Analysis </a:t>
-            </a:r>
-          </a:p>
-          <a:p>
-            <a:pPr algn="l" rtl="0" fontAlgn="base"/>
+              <a:t>In this slide, we are analysing the correlation between School rank and per annum growth in house price in that suburb.  </a:t>
+            </a:r>
             <a:endParaRPr lang="en-GB" b="0" i="0" dirty="0">
               <a:solidFill>
-                <a:srgbClr val="2F5496"/>
+                <a:srgbClr val="000000"/>
               </a:solidFill>
               <a:effectLst/>
               <a:highlight>
@@ -1757,10 +1671,85 @@
             </a:endParaRPr>
           </a:p>
           <a:p>
-            <a:pPr algn="l" rtl="0" fontAlgn="base">
-              <a:buFont typeface="Arial" panose="020B0604020202020204" pitchFamily="34" charset="0"/>
-              <a:buChar char="•"/>
-            </a:pPr>
+            <a:pPr algn="l" rtl="0" fontAlgn="base"/>
+            <a:endParaRPr lang="en-GB" sz="1800" b="0" i="0" dirty="0">
+              <a:solidFill>
+                <a:srgbClr val="3D3B40"/>
+              </a:solidFill>
+              <a:effectLst/>
+              <a:highlight>
+                <a:srgbClr val="FFFFFF"/>
+              </a:highlight>
+              <a:latin typeface="Helvetica Neue"/>
+            </a:endParaRPr>
+          </a:p>
+          <a:p>
+            <a:pPr algn="l" rtl="0" fontAlgn="base"/>
+            <a:r>
+              <a:rPr lang="en-GB" sz="1800" b="0" i="0" dirty="0">
+                <a:solidFill>
+                  <a:srgbClr val="3D3B40"/>
+                </a:solidFill>
+                <a:effectLst/>
+                <a:highlight>
+                  <a:srgbClr val="FFFFFF"/>
+                </a:highlight>
+                <a:latin typeface="Helvetica Neue"/>
+              </a:rPr>
+              <a:t>We created the scatter plot to analyse the relationship between school rank and per annum growth in house prices. </a:t>
+            </a:r>
+            <a:endParaRPr lang="en-GB" b="0" i="0" dirty="0">
+              <a:solidFill>
+                <a:srgbClr val="000000"/>
+              </a:solidFill>
+              <a:effectLst/>
+              <a:highlight>
+                <a:srgbClr val="FFFFFF"/>
+              </a:highlight>
+              <a:latin typeface="Segoe UI" panose="020B0502040204020203" pitchFamily="34" charset="0"/>
+            </a:endParaRPr>
+          </a:p>
+          <a:p>
+            <a:pPr algn="l" rtl="0" fontAlgn="base"/>
+            <a:r>
+              <a:rPr lang="en-GB" sz="1800" b="0" i="0" dirty="0">
+                <a:solidFill>
+                  <a:srgbClr val="000000"/>
+                </a:solidFill>
+                <a:effectLst/>
+                <a:highlight>
+                  <a:srgbClr val="FFFFFF"/>
+                </a:highlight>
+                <a:latin typeface="Calibri" panose="020F0502020204030204" pitchFamily="34" charset="0"/>
+              </a:rPr>
+              <a:t> </a:t>
+            </a:r>
+            <a:endParaRPr lang="en-GB" b="0" i="0" dirty="0">
+              <a:solidFill>
+                <a:srgbClr val="000000"/>
+              </a:solidFill>
+              <a:effectLst/>
+              <a:highlight>
+                <a:srgbClr val="FFFFFF"/>
+              </a:highlight>
+              <a:latin typeface="Segoe UI" panose="020B0502040204020203" pitchFamily="34" charset="0"/>
+            </a:endParaRPr>
+          </a:p>
+          <a:p>
+            <a:pPr algn="l" rtl="0" fontAlgn="base"/>
+            <a:r>
+              <a:rPr lang="en-GB" sz="1800" b="0" i="0" dirty="0">
+                <a:solidFill>
+                  <a:srgbClr val="000000"/>
+                </a:solidFill>
+                <a:effectLst/>
+                <a:highlight>
+                  <a:srgbClr val="FFFFFF"/>
+                </a:highlight>
+                <a:latin typeface="Helvetica Neue"/>
+              </a:rPr>
+              <a:t>The ​</a:t>
+            </a:r>
             <a:r>
               <a:rPr lang="en-GB" sz="1800" b="1" i="0" dirty="0">
                 <a:solidFill>
@@ -1770,9 +1759,9 @@
                 <a:highlight>
                   <a:srgbClr val="FFFFFF"/>
                 </a:highlight>
-                <a:latin typeface="Segoe UI" panose="020B0502040204020203" pitchFamily="34" charset="0"/>
+                <a:latin typeface="Helvetica Neue"/>
               </a:rPr>
-              <a:t>Pearson correlation coefficient</a:t>
+              <a:t>Null Hypothesis in this case is </a:t>
             </a:r>
             <a:r>
               <a:rPr lang="en-GB" sz="1800" b="0" i="0" dirty="0">
@@ -1783,13 +1772,10 @@
                 <a:highlight>
                   <a:srgbClr val="FFFFFF"/>
                 </a:highlight>
-                <a:latin typeface="Segoe UI" panose="020B0502040204020203" pitchFamily="34" charset="0"/>
+                <a:latin typeface="Helvetica Neue"/>
               </a:rPr>
-              <a:t>: -0.2693652389426884 </a:t>
-            </a:r>
-          </a:p>
-          <a:p>
-            <a:pPr algn="l" rtl="0" fontAlgn="base"/>
+              <a:t>(H₀): there is no correlation exists between per annum annual growth and school rank.​</a:t>
+            </a:r>
             <a:r>
               <a:rPr lang="en-GB" sz="1800" b="0" i="0" dirty="0">
                 <a:solidFill>
@@ -1799,26 +1785,22 @@
                 <a:highlight>
                   <a:srgbClr val="FFFFFF"/>
                 </a:highlight>
-                <a:latin typeface="Segoe UI" panose="020B0502040204020203" pitchFamily="34" charset="0"/>
+                <a:latin typeface="WordVisiCarriageReturn_MSFontService"/>
               </a:rPr>
-              <a:t>The correlation coefficient indicates a weak to moderate negative correlation between school rank and House Price growth, suggesting that better-ranked schools are associated with higher equity growth. </a:t>
-            </a:r>
-            <a:endParaRPr lang="en-GB" b="0" i="0" dirty="0">
-              <a:solidFill>
-                <a:srgbClr val="000000"/>
-              </a:solidFill>
-              <a:effectLst/>
-              <a:highlight>
-                <a:srgbClr val="FFFFFF"/>
-              </a:highlight>
-              <a:latin typeface="Segoe UI" panose="020B0502040204020203" pitchFamily="34" charset="0"/>
-            </a:endParaRPr>
-          </a:p>
-          <a:p>
-            <a:pPr algn="l" rtl="0" fontAlgn="base">
-              <a:buFont typeface="Arial" panose="020B0604020202020204" pitchFamily="34" charset="0"/>
-              <a:buChar char="•"/>
-            </a:pPr>
+              <a:t> </a:t>
+            </a:r>
+            <a:br>
+              <a:rPr lang="en-GB" sz="1800" b="0" i="0" dirty="0">
+                <a:solidFill>
+                  <a:srgbClr val="000000"/>
+                </a:solidFill>
+                <a:effectLst/>
+                <a:highlight>
+                  <a:srgbClr val="FFFFFF"/>
+                </a:highlight>
+                <a:latin typeface="WordVisiCarriageReturn_MSFontService"/>
+              </a:rPr>
+            </a:br>
             <a:r>
               <a:rPr lang="en-GB" sz="1800" b="1" i="0" dirty="0">
                 <a:solidFill>
@@ -1828,9 +1810,9 @@
                 <a:highlight>
                   <a:srgbClr val="FFFFFF"/>
                 </a:highlight>
-                <a:latin typeface="Segoe UI" panose="020B0502040204020203" pitchFamily="34" charset="0"/>
+                <a:latin typeface="Helvetica Neue"/>
               </a:rPr>
-              <a:t>P-value</a:t>
+              <a:t>Alternate Hypothesis </a:t>
             </a:r>
             <a:r>
               <a:rPr lang="en-GB" sz="1800" b="0" i="0" dirty="0">
@@ -1841,24 +1823,23 @@
                 <a:highlight>
                   <a:srgbClr val="FFFFFF"/>
                 </a:highlight>
-                <a:latin typeface="Segoe UI" panose="020B0502040204020203" pitchFamily="34" charset="0"/>
+                <a:latin typeface="Helvetica Neue"/>
               </a:rPr>
-              <a:t>: </a:t>
-            </a:r>
-            <a:r>
-              <a:rPr kumimoji="0" lang="en-US" altLang="en-US" sz="1800" b="0" i="0" u="none" strike="noStrike" cap="none" normalizeH="0" baseline="0" dirty="0">
-                <a:ln>
-                  <a:noFill/>
-                </a:ln>
-                <a:solidFill>
-                  <a:schemeClr val="bg1"/>
-                </a:solidFill>
-                <a:effectLst/>
-                <a:latin typeface="Arial" panose="020B0604020202020204" pitchFamily="34" charset="0"/>
-                <a:cs typeface="Arial" panose="020B0604020202020204" pitchFamily="34" charset="0"/>
-              </a:rPr>
-              <a:t>0.0029353964662798466</a:t>
-            </a:r>
+              <a:t>(H₁): A correlation exists between annual growth and school rank.​ </a:t>
+            </a:r>
+            <a:endParaRPr lang="en-GB" b="0" i="0" dirty="0">
+              <a:solidFill>
+                <a:srgbClr val="000000"/>
+              </a:solidFill>
+              <a:effectLst/>
+              <a:highlight>
+                <a:srgbClr val="FFFFFF"/>
+              </a:highlight>
+              <a:latin typeface="Segoe UI" panose="020B0502040204020203" pitchFamily="34" charset="0"/>
+            </a:endParaRPr>
+          </a:p>
+          <a:p>
+            <a:pPr algn="l" rtl="0" fontAlgn="base"/>
             <a:r>
               <a:rPr lang="en-GB" sz="1800" b="0" i="0" dirty="0">
                 <a:solidFill>
@@ -1868,13 +1849,36 @@
                 <a:highlight>
                   <a:srgbClr val="FFFFFF"/>
                 </a:highlight>
-                <a:latin typeface="Segoe UI" panose="020B0502040204020203" pitchFamily="34" charset="0"/>
+                <a:latin typeface="Helvetica Neue"/>
               </a:rPr>
               <a:t> </a:t>
             </a:r>
+            <a:endParaRPr lang="en-GB" b="0" i="0" dirty="0">
+              <a:solidFill>
+                <a:srgbClr val="000000"/>
+              </a:solidFill>
+              <a:effectLst/>
+              <a:highlight>
+                <a:srgbClr val="FFFFFF"/>
+              </a:highlight>
+              <a:latin typeface="Segoe UI" panose="020B0502040204020203" pitchFamily="34" charset="0"/>
+            </a:endParaRPr>
           </a:p>
           <a:p>
             <a:pPr algn="l" rtl="0" fontAlgn="base"/>
+            <a:r>
+              <a:rPr lang="en-GB" sz="1800" b="1" i="0" dirty="0">
+                <a:solidFill>
+                  <a:srgbClr val="000000"/>
+                </a:solidFill>
+                <a:effectLst/>
+                <a:highlight>
+                  <a:srgbClr val="FFFFFF"/>
+                </a:highlight>
+                <a:latin typeface="Helvetica Neue"/>
+              </a:rPr>
+              <a:t>Per Annum Growth In House Price and School Rank Analysis</a:t>
+            </a:r>
             <a:r>
               <a:rPr lang="en-GB" sz="1800" b="0" i="0" dirty="0">
                 <a:solidFill>
@@ -1884,13 +1888,10 @@
                 <a:highlight>
                   <a:srgbClr val="FFFFFF"/>
                 </a:highlight>
-                <a:latin typeface="Segoe UI" panose="020B0502040204020203" pitchFamily="34" charset="0"/>
+                <a:latin typeface="Helvetica Neue"/>
               </a:rPr>
-              <a:t>The p-value is significantly below the 0.05 threshold, providing strong evidence to reject the null hypothesis and confirm a statistically significant correlation between school rank and equity growth. </a:t>
-            </a:r>
-          </a:p>
-          <a:p>
-            <a:pPr algn="l" rtl="0" fontAlgn="base"/>
+              <a:t>​ </a:t>
+            </a:r>
             <a:endParaRPr lang="en-GB" b="0" i="0" dirty="0">
               <a:solidFill>
                 <a:srgbClr val="000000"/>
@@ -1905,34 +1906,21 @@
           <a:p>
             <a:pPr algn="l" rtl="0" fontAlgn="base"/>
             <a:r>
-              <a:rPr lang="en-GB" sz="1800" b="1" i="0" dirty="0">
+              <a:rPr lang="en-GB" sz="1800" b="0" i="0" dirty="0">
                 <a:solidFill>
-                  <a:srgbClr val="2F5496"/>
+                  <a:srgbClr val="000000"/>
                 </a:solidFill>
                 <a:effectLst/>
                 <a:highlight>
                   <a:srgbClr val="FFFFFF"/>
                 </a:highlight>
-                <a:latin typeface="Segoe UI" panose="020B0502040204020203" pitchFamily="34" charset="0"/>
+                <a:latin typeface="Helvetica Neue"/>
               </a:rPr>
-              <a:t>Hypotheses</a:t>
-            </a:r>
-            <a:r>
-              <a:rPr lang="en-GB" sz="1800" b="0" i="0" dirty="0">
-                <a:solidFill>
-                  <a:srgbClr val="2F5496"/>
-                </a:solidFill>
-                <a:effectLst/>
-                <a:highlight>
-                  <a:srgbClr val="FFFFFF"/>
-                </a:highlight>
-                <a:latin typeface="Segoe UI" panose="020B0502040204020203" pitchFamily="34" charset="0"/>
-              </a:rPr>
-              <a:t>: </a:t>
+              <a:t>​ </a:t>
             </a:r>
             <a:endParaRPr lang="en-GB" b="0" i="0" dirty="0">
               <a:solidFill>
-                <a:srgbClr val="2F5496"/>
+                <a:srgbClr val="000000"/>
               </a:solidFill>
               <a:effectLst/>
               <a:highlight>
@@ -1942,7 +1930,10 @@
             </a:endParaRPr>
           </a:p>
           <a:p>
-            <a:pPr algn="l" rtl="0" fontAlgn="base"/>
+            <a:pPr algn="l" rtl="0" fontAlgn="base">
+              <a:buFont typeface="Arial" panose="020B0604020202020204" pitchFamily="34" charset="0"/>
+              <a:buChar char="•"/>
+            </a:pPr>
             <a:r>
               <a:rPr lang="en-GB" sz="1800" b="1" i="0" dirty="0">
                 <a:solidFill>
@@ -1952,9 +1943,9 @@
                 <a:highlight>
                   <a:srgbClr val="FFFFFF"/>
                 </a:highlight>
-                <a:latin typeface="Segoe UI" panose="020B0502040204020203" pitchFamily="34" charset="0"/>
+                <a:latin typeface="Helvetica Neue"/>
               </a:rPr>
-              <a:t>Null</a:t>
+              <a:t>Pearson correlation coefficient</a:t>
             </a:r>
             <a:r>
               <a:rPr lang="en-GB" sz="1800" b="0" i="0" dirty="0">
@@ -1965,10 +1956,94 @@
                 <a:highlight>
                   <a:srgbClr val="FFFFFF"/>
                 </a:highlight>
-                <a:latin typeface="Segoe UI" panose="020B0502040204020203" pitchFamily="34" charset="0"/>
+                <a:latin typeface="Helvetica Neue"/>
               </a:rPr>
-              <a:t> </a:t>
-            </a:r>
+              <a:t>: 0.1874315234737049​ </a:t>
+            </a:r>
+            <a:endParaRPr lang="en-GB" sz="1800" b="0" i="0" dirty="0">
+              <a:solidFill>
+                <a:srgbClr val="000000"/>
+              </a:solidFill>
+              <a:effectLst/>
+              <a:highlight>
+                <a:srgbClr val="FFFFFF"/>
+              </a:highlight>
+              <a:latin typeface="Arial" panose="020B0604020202020204" pitchFamily="34" charset="0"/>
+            </a:endParaRPr>
+          </a:p>
+          <a:p>
+            <a:pPr algn="l" rtl="0" fontAlgn="base"/>
+            <a:r>
+              <a:rPr lang="en-GB" sz="1800" b="0" i="0" dirty="0">
+                <a:solidFill>
+                  <a:srgbClr val="000000"/>
+                </a:solidFill>
+                <a:effectLst/>
+                <a:highlight>
+                  <a:srgbClr val="FFFFFF"/>
+                </a:highlight>
+                <a:latin typeface="Helvetica Neue"/>
+              </a:rPr>
+              <a:t>The correlation coefficient indicates a weak positive relationship between school rank and annual growth. </a:t>
+            </a:r>
+          </a:p>
+          <a:p>
+            <a:pPr algn="l" rtl="0" fontAlgn="base"/>
+            <a:r>
+              <a:rPr lang="en-GB" sz="1800" b="0" i="0" dirty="0">
+                <a:solidFill>
+                  <a:srgbClr val="000000"/>
+                </a:solidFill>
+                <a:effectLst/>
+                <a:highlight>
+                  <a:srgbClr val="FFFFFF"/>
+                </a:highlight>
+                <a:latin typeface="Helvetica Neue"/>
+              </a:rPr>
+              <a:t>the correlation is too weak to be considered statistically significant.​ This suggests a slight tendency for improved school rankings to correlate with increased annual growth. </a:t>
+            </a:r>
+            <a:endParaRPr lang="en-GB" b="0" i="0" dirty="0">
+              <a:solidFill>
+                <a:srgbClr val="000000"/>
+              </a:solidFill>
+              <a:effectLst/>
+              <a:highlight>
+                <a:srgbClr val="FFFFFF"/>
+              </a:highlight>
+              <a:latin typeface="Segoe UI" panose="020B0502040204020203" pitchFamily="34" charset="0"/>
+            </a:endParaRPr>
+          </a:p>
+          <a:p>
+            <a:pPr algn="l" rtl="0" fontAlgn="base"/>
+            <a:r>
+              <a:rPr lang="en-GB" sz="1800" b="0" i="0" dirty="0">
+                <a:solidFill>
+                  <a:srgbClr val="000000"/>
+                </a:solidFill>
+                <a:effectLst/>
+                <a:highlight>
+                  <a:srgbClr val="FFFFFF"/>
+                </a:highlight>
+                <a:latin typeface="Helvetica Neue"/>
+              </a:rPr>
+              <a:t>​ </a:t>
+            </a:r>
+            <a:endParaRPr lang="en-GB" b="0" i="0" dirty="0">
+              <a:solidFill>
+                <a:srgbClr val="000000"/>
+              </a:solidFill>
+              <a:effectLst/>
+              <a:highlight>
+                <a:srgbClr val="FFFFFF"/>
+              </a:highlight>
+              <a:latin typeface="Segoe UI" panose="020B0502040204020203" pitchFamily="34" charset="0"/>
+            </a:endParaRPr>
+          </a:p>
+          <a:p>
+            <a:pPr algn="l" rtl="0" fontAlgn="base">
+              <a:buFont typeface="Arial" panose="020B0604020202020204" pitchFamily="34" charset="0"/>
+              <a:buChar char="•"/>
+            </a:pPr>
             <a:r>
               <a:rPr lang="en-GB" sz="1800" b="1" i="0" dirty="0">
                 <a:solidFill>
@@ -1978,9 +2053,9 @@
                 <a:highlight>
                   <a:srgbClr val="FFFFFF"/>
                 </a:highlight>
-                <a:latin typeface="Segoe UI" panose="020B0502040204020203" pitchFamily="34" charset="0"/>
+                <a:latin typeface="Helvetica Neue"/>
               </a:rPr>
-              <a:t>Hypothesis</a:t>
+              <a:t>P-value</a:t>
             </a:r>
             <a:r>
               <a:rPr lang="en-GB" sz="1800" b="0" i="0" dirty="0">
@@ -1991,10 +2066,85 @@
                 <a:highlight>
                   <a:srgbClr val="FFFFFF"/>
                 </a:highlight>
-                <a:latin typeface="Segoe UI" panose="020B0502040204020203" pitchFamily="34" charset="0"/>
+                <a:latin typeface="Helvetica Neue"/>
               </a:rPr>
-              <a:t> (H₀): No correlation exists between house price growth and school rank. </a:t>
-            </a:r>
+              <a:t>: 0.0632066020143343​ </a:t>
+            </a:r>
+            <a:endParaRPr lang="en-GB" sz="1800" b="0" i="0" dirty="0">
+              <a:solidFill>
+                <a:srgbClr val="000000"/>
+              </a:solidFill>
+              <a:effectLst/>
+              <a:highlight>
+                <a:srgbClr val="FFFFFF"/>
+              </a:highlight>
+              <a:latin typeface="Arial" panose="020B0604020202020204" pitchFamily="34" charset="0"/>
+            </a:endParaRPr>
+          </a:p>
+          <a:p>
+            <a:pPr algn="l" rtl="0" fontAlgn="base"/>
+            <a:r>
+              <a:rPr lang="en-GB" sz="1800" b="0" i="0" dirty="0">
+                <a:solidFill>
+                  <a:srgbClr val="000000"/>
+                </a:solidFill>
+                <a:effectLst/>
+                <a:highlight>
+                  <a:srgbClr val="FFFFFF"/>
+                </a:highlight>
+                <a:latin typeface="Times New Roman" panose="02020603050405020304" pitchFamily="18" charset="0"/>
+              </a:rPr>
+              <a:t>The p-value of 0.063 suggests that the correlation observed might be due to random chance.</a:t>
+            </a:r>
+            <a:r>
+              <a:rPr lang="en-GB" sz="1800" b="0" i="0" dirty="0">
+                <a:solidFill>
+                  <a:srgbClr val="000000"/>
+                </a:solidFill>
+                <a:effectLst/>
+                <a:highlight>
+                  <a:srgbClr val="FFFFFF"/>
+                </a:highlight>
+                <a:latin typeface="Helvetica Neue"/>
+              </a:rPr>
+              <a:t>, As a result, we fail to reject the null hypothesis, which states that there is no correlation between school rank and annual growth.​ </a:t>
+            </a:r>
+            <a:endParaRPr lang="en-GB" b="0" i="0" dirty="0">
+              <a:solidFill>
+                <a:srgbClr val="000000"/>
+              </a:solidFill>
+              <a:effectLst/>
+              <a:highlight>
+                <a:srgbClr val="FFFFFF"/>
+              </a:highlight>
+              <a:latin typeface="Segoe UI" panose="020B0502040204020203" pitchFamily="34" charset="0"/>
+            </a:endParaRPr>
+          </a:p>
+          <a:p>
+            <a:pPr algn="l" rtl="0" fontAlgn="base"/>
+            <a:r>
+              <a:rPr lang="en-GB" sz="1800" b="0" i="0" dirty="0">
+                <a:solidFill>
+                  <a:srgbClr val="000000"/>
+                </a:solidFill>
+                <a:effectLst/>
+                <a:highlight>
+                  <a:srgbClr val="FFFFFF"/>
+                </a:highlight>
+                <a:latin typeface="Helvetica Neue"/>
+              </a:rPr>
+              <a:t> </a:t>
+            </a:r>
+            <a:endParaRPr lang="en-GB" b="0" i="0" dirty="0">
+              <a:solidFill>
+                <a:srgbClr val="000000"/>
+              </a:solidFill>
+              <a:effectLst/>
+              <a:highlight>
+                <a:srgbClr val="FFFFFF"/>
+              </a:highlight>
+              <a:latin typeface="Segoe UI" panose="020B0502040204020203" pitchFamily="34" charset="0"/>
+            </a:endParaRPr>
           </a:p>
           <a:p>
             <a:pPr algn="l" rtl="0" fontAlgn="base"/>
@@ -2007,10 +2157,26 @@
                 <a:highlight>
                   <a:srgbClr val="FFFFFF"/>
                 </a:highlight>
-                <a:latin typeface="Segoe UI" panose="020B0502040204020203" pitchFamily="34" charset="0"/>
+                <a:latin typeface="Times New Roman" panose="02020603050405020304" pitchFamily="18" charset="0"/>
               </a:rPr>
-              <a:t>Alternate Hypothesis </a:t>
-            </a:r>
+              <a:t>Conclusion is</a:t>
+            </a:r>
+            <a:endParaRPr lang="en-GB" b="1" i="0" dirty="0">
+              <a:solidFill>
+                <a:srgbClr val="000000"/>
+              </a:solidFill>
+              <a:effectLst/>
+              <a:highlight>
+                <a:srgbClr val="FFFFFF"/>
+              </a:highlight>
+              <a:latin typeface="Segoe UI" panose="020B0502040204020203" pitchFamily="34" charset="0"/>
+            </a:endParaRPr>
+          </a:p>
+          <a:p>
+            <a:pPr algn="l" rtl="0" fontAlgn="base">
+              <a:buFont typeface="Arial" panose="020B0604020202020204" pitchFamily="34" charset="0"/>
+              <a:buChar char="•"/>
+            </a:pPr>
             <a:r>
               <a:rPr lang="en-GB" sz="1800" b="0" i="0" dirty="0">
                 <a:solidFill>
@@ -2020,67 +2186,18 @@
                 <a:highlight>
                   <a:srgbClr val="FFFFFF"/>
                 </a:highlight>
-                <a:latin typeface="Segoe UI" panose="020B0502040204020203" pitchFamily="34" charset="0"/>
+                <a:latin typeface="Times New Roman" panose="02020603050405020304" pitchFamily="18" charset="0"/>
               </a:rPr>
-              <a:t>(H₁): A correlation exists between house price growth and school rank. </a:t>
-            </a:r>
-            <a:endParaRPr lang="en-GB" b="0" i="0" dirty="0">
-              <a:solidFill>
-                <a:srgbClr val="000000"/>
-              </a:solidFill>
-              <a:effectLst/>
-              <a:highlight>
-                <a:srgbClr val="FFFFFF"/>
-              </a:highlight>
-              <a:latin typeface="Segoe UI" panose="020B0502040204020203" pitchFamily="34" charset="0"/>
-            </a:endParaRPr>
-          </a:p>
-          <a:p>
-            <a:endParaRPr lang="en-AU" dirty="0"/>
-          </a:p>
-          <a:p>
-            <a:pPr algn="l" rtl="0" fontAlgn="base"/>
-            <a:r>
-              <a:rPr lang="en-GB" sz="1200" b="1" i="0" dirty="0">
-                <a:solidFill>
-                  <a:srgbClr val="2F5496"/>
-                </a:solidFill>
-                <a:effectLst/>
-                <a:highlight>
-                  <a:srgbClr val="FFFFFF"/>
-                </a:highlight>
-                <a:latin typeface="Segoe UI" panose="020B0502040204020203" pitchFamily="34" charset="0"/>
-              </a:rPr>
-              <a:t>Conclusion</a:t>
-            </a:r>
-            <a:r>
-              <a:rPr lang="en-GB" sz="1200" b="0" i="0" dirty="0">
-                <a:solidFill>
-                  <a:srgbClr val="2F5496"/>
-                </a:solidFill>
-                <a:effectLst/>
-                <a:highlight>
-                  <a:srgbClr val="FFFFFF"/>
-                </a:highlight>
-                <a:latin typeface="Segoe UI" panose="020B0502040204020203" pitchFamily="34" charset="0"/>
-              </a:rPr>
-              <a:t>: </a:t>
-            </a:r>
-            <a:endParaRPr lang="en-GB" b="0" i="0" dirty="0">
-              <a:solidFill>
-                <a:srgbClr val="2F5496"/>
-              </a:solidFill>
-              <a:effectLst/>
-              <a:highlight>
-                <a:srgbClr val="FFFFFF"/>
-              </a:highlight>
-              <a:latin typeface="Segoe UI" panose="020B0502040204020203" pitchFamily="34" charset="0"/>
-            </a:endParaRPr>
-          </a:p>
-          <a:p>
-            <a:pPr algn="l" rtl="0" fontAlgn="base"/>
-            <a:r>
-              <a:rPr lang="en-GB" sz="1200" b="0" i="0" dirty="0">
+              <a:t>The analysis indicates a weak positive relationship between school rank and annual growth, but this relationship is not statistically significant. </a:t>
+            </a:r>
+          </a:p>
+          <a:p>
+            <a:pPr algn="l" rtl="0" fontAlgn="base">
+              <a:buFont typeface="Arial" panose="020B0604020202020204" pitchFamily="34" charset="0"/>
+              <a:buChar char="•"/>
+            </a:pPr>
+            <a:r>
+              <a:rPr lang="en-GB" sz="1800" b="0" i="0" dirty="0">
                 <a:solidFill>
                   <a:srgbClr val="000000"/>
                 </a:solidFill>
@@ -2088,72 +2205,10 @@
                 <a:highlight>
                   <a:srgbClr val="FFFFFF"/>
                 </a:highlight>
-                <a:latin typeface="Segoe UI" panose="020B0502040204020203" pitchFamily="34" charset="0"/>
+                <a:latin typeface="Times New Roman" panose="02020603050405020304" pitchFamily="18" charset="0"/>
               </a:rPr>
-              <a:t>The results show a significant negative correlation between school rank and house price growth, indicating that better-ranked schools are associated with higher house price increase. This correlation is statistically significant at the 0.05 level, providing meaningful insight into the relationship between school rankings and equity growth in the housing market. </a:t>
-            </a:r>
-            <a:endParaRPr lang="en-GB" b="0" i="0" dirty="0">
-              <a:solidFill>
-                <a:srgbClr val="000000"/>
-              </a:solidFill>
-              <a:effectLst/>
-              <a:highlight>
-                <a:srgbClr val="FFFFFF"/>
-              </a:highlight>
-              <a:latin typeface="Segoe UI" panose="020B0502040204020203" pitchFamily="34" charset="0"/>
-            </a:endParaRPr>
-          </a:p>
-          <a:p>
-            <a:pPr algn="l" rtl="0" fontAlgn="base"/>
-            <a:r>
-              <a:rPr lang="en-GB" sz="1200" b="0" i="0" dirty="0">
-                <a:solidFill>
-                  <a:srgbClr val="000000"/>
-                </a:solidFill>
-                <a:effectLst/>
-                <a:highlight>
-                  <a:srgbClr val="FFFFFF"/>
-                </a:highlight>
-                <a:latin typeface="Segoe UI" panose="020B0502040204020203" pitchFamily="34" charset="0"/>
-              </a:rPr>
-              <a:t>In summary, the data suggests that suburbs with better-ranked schools tend to experience higher equity growth, supporting the idea that school rankings have a positive impact on the housing market. </a:t>
-            </a:r>
-            <a:endParaRPr lang="en-GB" b="0" i="0" dirty="0">
-              <a:solidFill>
-                <a:srgbClr val="000000"/>
-              </a:solidFill>
-              <a:effectLst/>
-              <a:highlight>
-                <a:srgbClr val="FFFFFF"/>
-              </a:highlight>
-              <a:latin typeface="Segoe UI" panose="020B0502040204020203" pitchFamily="34" charset="0"/>
-            </a:endParaRPr>
-          </a:p>
-          <a:p>
-            <a:pPr algn="l" rtl="0" fontAlgn="base"/>
-            <a:r>
-              <a:rPr lang="en-GB" sz="1200" b="0" i="0" dirty="0">
-                <a:solidFill>
-                  <a:srgbClr val="000000"/>
-                </a:solidFill>
-                <a:effectLst/>
-                <a:highlight>
-                  <a:srgbClr val="FFFFFF"/>
-                </a:highlight>
-                <a:latin typeface="Segoe UI" panose="020B0502040204020203" pitchFamily="34" charset="0"/>
-              </a:rPr>
-              <a:t> </a:t>
-            </a:r>
-            <a:endParaRPr lang="en-GB" b="0" i="0" dirty="0">
-              <a:solidFill>
-                <a:srgbClr val="000000"/>
-              </a:solidFill>
-              <a:effectLst/>
-              <a:highlight>
-                <a:srgbClr val="FFFFFF"/>
-              </a:highlight>
-              <a:latin typeface="Segoe UI" panose="020B0502040204020203" pitchFamily="34" charset="0"/>
-            </a:endParaRPr>
+              <a:t>Further research and analysis are needed to fully understand the dynamics between school rank and house price growth. </a:t>
+            </a:r>
           </a:p>
           <a:p>
             <a:endParaRPr lang="en-AU" dirty="0"/>
@@ -2177,7 +2232,7 @@
           <a:p>
             <a:fld id="{18663E61-4226-41C9-96C1-7B6A185AA244}" type="slidenum">
               <a:rPr lang="en-AU" smtClean="0"/>
-              <a:t>10</a:t>
+              <a:t>9</a:t>
             </a:fld>
             <a:endParaRPr lang="en-AU"/>
           </a:p>
@@ -2186,7 +2241,7 @@
     </p:spTree>
     <p:extLst>
       <p:ext uri="{BB962C8B-B14F-4D97-AF65-F5344CB8AC3E}">
-        <p14:creationId xmlns:p14="http://schemas.microsoft.com/office/powerpoint/2010/main" val="343246562"/>
+        <p14:creationId xmlns:p14="http://schemas.microsoft.com/office/powerpoint/2010/main" val="3947579989"/>
       </p:ext>
     </p:extLst>
   </p:cSld>
@@ -2240,10 +2295,36 @@
           <a:bodyPr/>
           <a:lstStyle/>
           <a:p>
-            <a:pPr algn="l" rtl="0" fontAlgn="base">
-              <a:buFont typeface="Arial" panose="020B0604020202020204" pitchFamily="34" charset="0"/>
-              <a:buChar char="•"/>
-            </a:pPr>
+            <a:pPr algn="l" rtl="0" fontAlgn="base"/>
+            <a:r>
+              <a:rPr lang="en-GB" sz="1800" b="0" i="0" dirty="0">
+                <a:solidFill>
+                  <a:srgbClr val="3D3B40"/>
+                </a:solidFill>
+                <a:effectLst/>
+                <a:highlight>
+                  <a:srgbClr val="FFFFFF"/>
+                </a:highlight>
+                <a:latin typeface="Helvetica Neue"/>
+              </a:rPr>
+              <a:t>In this slide, we are analysing the correlation between School rank and house price increase in that suburb.  </a:t>
+            </a:r>
+          </a:p>
+          <a:p>
+            <a:pPr algn="l" rtl="0" fontAlgn="base"/>
+            <a:endParaRPr lang="en-GB" b="0" i="0" dirty="0">
+              <a:solidFill>
+                <a:srgbClr val="000000"/>
+              </a:solidFill>
+              <a:effectLst/>
+              <a:highlight>
+                <a:srgbClr val="FFFFFF"/>
+              </a:highlight>
+              <a:latin typeface="Segoe UI" panose="020B0502040204020203" pitchFamily="34" charset="0"/>
+            </a:endParaRPr>
+          </a:p>
+          <a:p>
+            <a:pPr algn="l" rtl="0" fontAlgn="base"/>
             <a:r>
               <a:rPr lang="en-GB" sz="1800" b="0" i="0" dirty="0">
                 <a:solidFill>
@@ -2255,14 +2336,37 @@
                 </a:highlight>
                 <a:latin typeface="Times New Roman" panose="02020603050405020304" pitchFamily="18" charset="0"/>
               </a:rPr>
-              <a:t>As house prices increase more significantly in suburbs with good schools, affordability becomes a critical issue. </a:t>
-            </a:r>
-          </a:p>
-          <a:p>
-            <a:pPr algn="l" rtl="0" fontAlgn="base">
-              <a:buFont typeface="Arial" panose="020B0604020202020204" pitchFamily="34" charset="0"/>
-              <a:buChar char="•"/>
-            </a:pPr>
+              <a:t> The scatter plot shows the relationship between school rank and house price increase in various suburbs </a:t>
+            </a:r>
+          </a:p>
+          <a:p>
+            <a:pPr algn="l" rtl="0" fontAlgn="base"/>
+            <a:endParaRPr lang="en-GB" b="0" i="0" dirty="0">
+              <a:solidFill>
+                <a:srgbClr val="000000"/>
+              </a:solidFill>
+              <a:effectLst/>
+              <a:highlight>
+                <a:srgbClr val="FFFFFF"/>
+              </a:highlight>
+              <a:latin typeface="Segoe UI" panose="020B0502040204020203" pitchFamily="34" charset="0"/>
+            </a:endParaRPr>
+          </a:p>
+          <a:p>
+            <a:pPr algn="l" rtl="0" fontAlgn="base"/>
+            <a:r>
+              <a:rPr lang="en-GB" sz="1800" b="1" i="0" dirty="0">
+                <a:solidFill>
+                  <a:srgbClr val="000000"/>
+                </a:solidFill>
+                <a:effectLst/>
+                <a:highlight>
+                  <a:srgbClr val="FFFFFF"/>
+                </a:highlight>
+                <a:latin typeface="Times New Roman" panose="02020603050405020304" pitchFamily="18" charset="0"/>
+              </a:rPr>
+              <a:t>X-axis</a:t>
+            </a:r>
             <a:r>
               <a:rPr lang="en-GB" sz="1800" b="0" i="0" dirty="0">
                 <a:solidFill>
@@ -2274,14 +2378,34 @@
                 </a:highlight>
                 <a:latin typeface="Times New Roman" panose="02020603050405020304" pitchFamily="18" charset="0"/>
               </a:rPr>
-              <a:t>Higher house prices mean that the cost of buying a home in these desirable areas increases faster than in areas with lower-ranked schools. </a:t>
-            </a:r>
-          </a:p>
-          <a:p>
-            <a:pPr algn="l" rtl="0" fontAlgn="base">
-              <a:buFont typeface="Arial" panose="020B0604020202020204" pitchFamily="34" charset="0"/>
-              <a:buChar char="•"/>
-            </a:pPr>
+              <a:t> is the School Rank (lower values represent better-ranked schools). </a:t>
+            </a:r>
+            <a:endParaRPr lang="en-GB" b="0" i="0" dirty="0">
+              <a:solidFill>
+                <a:srgbClr val="000000"/>
+              </a:solidFill>
+              <a:effectLst/>
+              <a:highlight>
+                <a:srgbClr val="FFFFFF"/>
+              </a:highlight>
+              <a:latin typeface="Segoe UI" panose="020B0502040204020203" pitchFamily="34" charset="0"/>
+            </a:endParaRPr>
+          </a:p>
+          <a:p>
+            <a:pPr algn="l" rtl="0" fontAlgn="base"/>
+            <a:r>
+              <a:rPr lang="en-GB" sz="1800" b="1" i="0" dirty="0">
+                <a:solidFill>
+                  <a:srgbClr val="000000"/>
+                </a:solidFill>
+                <a:effectLst/>
+                <a:highlight>
+                  <a:srgbClr val="FFFFFF"/>
+                </a:highlight>
+                <a:latin typeface="Times New Roman" panose="02020603050405020304" pitchFamily="18" charset="0"/>
+              </a:rPr>
+              <a:t>Y-axis</a:t>
+            </a:r>
             <a:r>
               <a:rPr lang="en-GB" sz="1800" b="0" i="0" dirty="0">
                 <a:solidFill>
@@ -2293,14 +2417,21 @@
                 </a:highlight>
                 <a:latin typeface="Times New Roman" panose="02020603050405020304" pitchFamily="18" charset="0"/>
               </a:rPr>
-              <a:t>For middle-income families, the rising house prices can make it difficult to afford homes in these areas, potentially limiting access to good schools based on financial constraints. </a:t>
-            </a:r>
-          </a:p>
-          <a:p>
-            <a:pPr algn="l" rtl="0" fontAlgn="base">
-              <a:buFont typeface="Arial" panose="020B0604020202020204" pitchFamily="34" charset="0"/>
-              <a:buChar char="•"/>
-            </a:pPr>
+              <a:t> is the House Price Increase ($). </a:t>
+            </a:r>
+            <a:endParaRPr lang="en-GB" b="0" i="0" dirty="0">
+              <a:solidFill>
+                <a:srgbClr val="000000"/>
+              </a:solidFill>
+              <a:effectLst/>
+              <a:highlight>
+                <a:srgbClr val="FFFFFF"/>
+              </a:highlight>
+              <a:latin typeface="Segoe UI" panose="020B0502040204020203" pitchFamily="34" charset="0"/>
+            </a:endParaRPr>
+          </a:p>
+          <a:p>
+            <a:pPr algn="l" rtl="0" fontAlgn="base"/>
             <a:r>
               <a:rPr lang="en-GB" sz="1800" b="0" i="0" dirty="0">
                 <a:solidFill>
@@ -2312,12 +2443,9 @@
                 </a:highlight>
                 <a:latin typeface="Times New Roman" panose="02020603050405020304" pitchFamily="18" charset="0"/>
               </a:rPr>
-              <a:t>This can lead to a socio-economic divide where only wealthier families can afford to live in suburbs with the best schools, aggravate inequality in educational opportunities. </a:t>
-            </a:r>
-          </a:p>
-          <a:p>
-            <a:pPr algn="l" rtl="0" fontAlgn="base"/>
-            <a:endParaRPr lang="en-GB" sz="1200" b="0" i="0" dirty="0">
+              <a:t> </a:t>
+            </a:r>
+            <a:endParaRPr lang="en-GB" b="0" i="0" dirty="0">
               <a:solidFill>
                 <a:srgbClr val="000000"/>
               </a:solidFill>
@@ -2325,26 +2453,13 @@
               <a:highlight>
                 <a:srgbClr val="FFFFFF"/>
               </a:highlight>
-              <a:latin typeface="Times New Roman" panose="02020603050405020304" pitchFamily="18" charset="0"/>
+              <a:latin typeface="Segoe UI" panose="020B0502040204020203" pitchFamily="34" charset="0"/>
             </a:endParaRPr>
           </a:p>
           <a:p>
             <a:pPr algn="l" rtl="0" fontAlgn="base"/>
-            <a:endParaRPr lang="en-GB" sz="1200" b="0" i="0" dirty="0">
-              <a:solidFill>
-                <a:srgbClr val="000000"/>
-              </a:solidFill>
-              <a:effectLst/>
-              <a:highlight>
-                <a:srgbClr val="FFFFFF"/>
-              </a:highlight>
-              <a:latin typeface="Times New Roman" panose="02020603050405020304" pitchFamily="18" charset="0"/>
-            </a:endParaRPr>
-          </a:p>
-          <a:p>
-            <a:pPr algn="l" rtl="0" fontAlgn="base"/>
-            <a:r>
-              <a:rPr lang="en-GB" sz="1200" b="0" i="0" dirty="0">
+            <a:r>
+              <a:rPr lang="en-GB" sz="1800" b="0" i="0" dirty="0">
                 <a:solidFill>
                   <a:srgbClr val="000000"/>
                 </a:solidFill>
@@ -2354,7 +2469,7 @@
                 </a:highlight>
                 <a:latin typeface="Times New Roman" panose="02020603050405020304" pitchFamily="18" charset="0"/>
               </a:rPr>
-              <a:t>When house prices go up, it becomes harder for people to afford to buy a home. This is because higher prices mean you need more money to buy a house. For many people, especially those with average incomes, this can make buying a home too expensive. As house prices increase, so do mortgage payments, which can take up a larger part of a family's budget, leaving less money for other things. If house prices rise faster than wages, it becomes even more difficult for people to afford homes. This can lead to fewer people owning homes and more people renting. High house prices can also create bigger problems, like a greater need for affordable housing and an increase in people struggling to find a place to live. </a:t>
+              <a:t>The red line represents the linear regression trend line, showing a negative slope indicating a negative relationship between the variables. </a:t>
             </a:r>
             <a:endParaRPr lang="en-GB" b="0" i="0" dirty="0">
               <a:solidFill>
@@ -2370,7 +2485,7 @@
           <a:p>
             <a:pPr algn="l" rtl="0" fontAlgn="base"/>
             <a:r>
-              <a:rPr lang="en-GB" sz="1200" b="0" i="0" dirty="0">
+              <a:rPr lang="en-GB" sz="1800" b="0" i="0" dirty="0">
                 <a:solidFill>
                   <a:srgbClr val="000000"/>
                 </a:solidFill>
@@ -2380,7 +2495,166 @@
                 </a:highlight>
                 <a:latin typeface="Segoe UI" panose="020B0502040204020203" pitchFamily="34" charset="0"/>
               </a:rPr>
-              <a:t> </a:t>
+              <a:t>The Null Hypothesis (H₀) in this case is that there is No correlation exists between house price growth and school rank. ​  ​   </a:t>
+            </a:r>
+            <a:endParaRPr lang="en-GB" b="0" i="0" dirty="0">
+              <a:solidFill>
+                <a:srgbClr val="000000"/>
+              </a:solidFill>
+              <a:effectLst/>
+              <a:highlight>
+                <a:srgbClr val="FFFFFF"/>
+              </a:highlight>
+              <a:latin typeface="Segoe UI" panose="020B0502040204020203" pitchFamily="34" charset="0"/>
+            </a:endParaRPr>
+          </a:p>
+          <a:p>
+            <a:pPr algn="l" rtl="0" fontAlgn="base"/>
+            <a:r>
+              <a:rPr lang="en-GB" sz="1800" b="0" i="0" dirty="0">
+                <a:solidFill>
+                  <a:srgbClr val="000000"/>
+                </a:solidFill>
+                <a:effectLst/>
+                <a:highlight>
+                  <a:srgbClr val="FFFFFF"/>
+                </a:highlight>
+                <a:latin typeface="Segoe UI" panose="020B0502040204020203" pitchFamily="34" charset="0"/>
+              </a:rPr>
+              <a:t>Alternate Hypothesis (H₁): A correlation exists between house price growth and school rank. </a:t>
+            </a:r>
+          </a:p>
+          <a:p>
+            <a:pPr algn="l" rtl="0" fontAlgn="base"/>
+            <a:endParaRPr lang="en-GB" b="0" i="0" dirty="0">
+              <a:solidFill>
+                <a:srgbClr val="000000"/>
+              </a:solidFill>
+              <a:effectLst/>
+              <a:highlight>
+                <a:srgbClr val="FFFFFF"/>
+              </a:highlight>
+              <a:latin typeface="Segoe UI" panose="020B0502040204020203" pitchFamily="34" charset="0"/>
+            </a:endParaRPr>
+          </a:p>
+          <a:p>
+            <a:pPr algn="l" rtl="0" fontAlgn="base"/>
+            <a:r>
+              <a:rPr lang="en-GB" sz="1800" b="1" i="0" dirty="0">
+                <a:solidFill>
+                  <a:srgbClr val="000000"/>
+                </a:solidFill>
+                <a:effectLst/>
+                <a:highlight>
+                  <a:srgbClr val="FFFFFF"/>
+                </a:highlight>
+                <a:latin typeface="Times New Roman" panose="02020603050405020304" pitchFamily="18" charset="0"/>
+              </a:rPr>
+              <a:t>The Pearson correlation coefficient of -0.296 </a:t>
+            </a:r>
+            <a:r>
+              <a:rPr lang="en-GB" sz="1800" b="0" i="0" dirty="0">
+                <a:solidFill>
+                  <a:srgbClr val="000000"/>
+                </a:solidFill>
+                <a:effectLst/>
+                <a:highlight>
+                  <a:srgbClr val="FFFFFF"/>
+                </a:highlight>
+                <a:latin typeface="Times New Roman" panose="02020603050405020304" pitchFamily="18" charset="0"/>
+              </a:rPr>
+              <a:t>suggests a moderate negative relationship between school rank and house price increase. This implies that better-ranked schools (lower rank numbers) are associated with higher increases in house prices. </a:t>
+            </a:r>
+            <a:endParaRPr lang="en-GB" b="0" i="0" dirty="0">
+              <a:solidFill>
+                <a:srgbClr val="000000"/>
+              </a:solidFill>
+              <a:effectLst/>
+              <a:highlight>
+                <a:srgbClr val="FFFFFF"/>
+              </a:highlight>
+              <a:latin typeface="Segoe UI" panose="020B0502040204020203" pitchFamily="34" charset="0"/>
+            </a:endParaRPr>
+          </a:p>
+          <a:p>
+            <a:pPr algn="l" rtl="0" fontAlgn="base"/>
+            <a:r>
+              <a:rPr lang="en-GB" sz="1800" b="1" i="0" dirty="0">
+                <a:solidFill>
+                  <a:srgbClr val="000000"/>
+                </a:solidFill>
+                <a:effectLst/>
+                <a:highlight>
+                  <a:srgbClr val="FFFFFF"/>
+                </a:highlight>
+                <a:latin typeface="Times New Roman" panose="02020603050405020304" pitchFamily="18" charset="0"/>
+              </a:rPr>
+              <a:t>The p-value of 0.0029 </a:t>
+            </a:r>
+            <a:r>
+              <a:rPr lang="en-GB" sz="1800" b="0" i="0" dirty="0">
+                <a:solidFill>
+                  <a:srgbClr val="000000"/>
+                </a:solidFill>
+                <a:effectLst/>
+                <a:highlight>
+                  <a:srgbClr val="FFFFFF"/>
+                </a:highlight>
+                <a:latin typeface="Times New Roman" panose="02020603050405020304" pitchFamily="18" charset="0"/>
+              </a:rPr>
+              <a:t>is significantly lower than 0.05, indicating that the correlation observed is statistically significant. This means there is strong evidence to reject the null hypothesis, supporting the alternative hypothesis that a correlation exists between school rank and house price growth. </a:t>
+            </a:r>
+            <a:endParaRPr lang="en-GB" b="0" i="0" dirty="0">
+              <a:solidFill>
+                <a:srgbClr val="000000"/>
+              </a:solidFill>
+              <a:effectLst/>
+              <a:highlight>
+                <a:srgbClr val="FFFFFF"/>
+              </a:highlight>
+              <a:latin typeface="Segoe UI" panose="020B0502040204020203" pitchFamily="34" charset="0"/>
+            </a:endParaRPr>
+          </a:p>
+          <a:p>
+            <a:pPr algn="l" rtl="0" fontAlgn="base"/>
+            <a:r>
+              <a:rPr lang="en-GB" sz="1800" b="1" i="0" dirty="0">
+                <a:solidFill>
+                  <a:srgbClr val="2F5496"/>
+                </a:solidFill>
+                <a:effectLst/>
+                <a:highlight>
+                  <a:srgbClr val="FFFFFF"/>
+                </a:highlight>
+                <a:latin typeface="Segoe UI" panose="020B0502040204020203" pitchFamily="34" charset="0"/>
+              </a:rPr>
+              <a:t>Conclusion</a:t>
+            </a:r>
+            <a:r>
+              <a:rPr lang="en-GB" sz="1800" b="0" i="0" dirty="0">
+                <a:solidFill>
+                  <a:srgbClr val="2F5496"/>
+                </a:solidFill>
+                <a:effectLst/>
+                <a:highlight>
+                  <a:srgbClr val="FFFFFF"/>
+                </a:highlight>
+                <a:latin typeface="Segoe UI" panose="020B0502040204020203" pitchFamily="34" charset="0"/>
+              </a:rPr>
+              <a:t>: </a:t>
+            </a:r>
+            <a:r>
+              <a:rPr lang="en-GB" sz="1800" b="0" i="0" dirty="0">
+                <a:solidFill>
+                  <a:srgbClr val="000000"/>
+                </a:solidFill>
+                <a:effectLst/>
+                <a:highlight>
+                  <a:srgbClr val="FFFFFF"/>
+                </a:highlight>
+                <a:latin typeface="Segoe UI" panose="020B0502040204020203" pitchFamily="34" charset="0"/>
+              </a:rPr>
+              <a:t>​In summary, the data suggests that suburbs with better-ranked schools tend to experience higher equity growth, supporting the idea that school rankings have a positive impact on the housing market.  </a:t>
             </a:r>
             <a:endParaRPr lang="en-GB" b="0" i="0" dirty="0">
               <a:solidFill>
@@ -2415,7 +2689,7 @@
           <a:p>
             <a:fld id="{18663E61-4226-41C9-96C1-7B6A185AA244}" type="slidenum">
               <a:rPr lang="en-AU" smtClean="0"/>
-              <a:t>11</a:t>
+              <a:t>10</a:t>
             </a:fld>
             <a:endParaRPr lang="en-AU"/>
           </a:p>
@@ -2424,7 +2698,7 @@
     </p:spTree>
     <p:extLst>
       <p:ext uri="{BB962C8B-B14F-4D97-AF65-F5344CB8AC3E}">
-        <p14:creationId xmlns:p14="http://schemas.microsoft.com/office/powerpoint/2010/main" val="605268195"/>
+        <p14:creationId xmlns:p14="http://schemas.microsoft.com/office/powerpoint/2010/main" val="343246562"/>
       </p:ext>
     </p:extLst>
   </p:cSld>
@@ -2478,114 +2752,9 @@
           <a:bodyPr/>
           <a:lstStyle/>
           <a:p>
-            <a:r>
-              <a:rPr lang="en-US" b="0" i="0" dirty="0">
-                <a:solidFill>
-                  <a:srgbClr val="000000"/>
-                </a:solidFill>
-                <a:effectLst/>
-                <a:latin typeface="VIC"/>
-              </a:rPr>
-              <a:t>The data is compiled using information lodged every time a property sale is completed. It provides property statistics for Victoria's 79 municipalities and yearly medians by suburb over a 10-year period.</a:t>
-            </a:r>
-          </a:p>
-          <a:p>
-            <a:endParaRPr lang="en-US" b="0" i="0" dirty="0">
-              <a:solidFill>
-                <a:srgbClr val="000000"/>
-              </a:solidFill>
-              <a:effectLst/>
-              <a:latin typeface="VIC"/>
-            </a:endParaRPr>
-          </a:p>
-          <a:p>
-            <a:r>
-              <a:rPr lang="en-US" b="0" i="0" dirty="0">
-                <a:solidFill>
-                  <a:srgbClr val="000000"/>
-                </a:solidFill>
-                <a:effectLst/>
-                <a:latin typeface="VIC"/>
-              </a:rPr>
-              <a:t>Over the past 10 year, we have see an increasing trend for all suburbs except for QUAMBATOOK, which has 7 % decrease in growth.</a:t>
-            </a:r>
-          </a:p>
-          <a:p>
-            <a:endParaRPr lang="en-US" b="0" i="0" dirty="0">
-              <a:solidFill>
-                <a:srgbClr val="000000"/>
-              </a:solidFill>
-              <a:effectLst/>
-              <a:latin typeface="VIC"/>
-            </a:endParaRPr>
-          </a:p>
-          <a:p>
-            <a:r>
-              <a:rPr lang="en-US" b="0" i="0" dirty="0">
-                <a:solidFill>
-                  <a:srgbClr val="000000"/>
-                </a:solidFill>
-                <a:effectLst/>
-                <a:latin typeface="VIC"/>
-              </a:rPr>
-              <a:t>After we have calculated the mean for all </a:t>
-            </a:r>
-            <a:r>
-              <a:rPr lang="en-US" b="0" i="0" dirty="0" err="1">
-                <a:solidFill>
-                  <a:srgbClr val="000000"/>
-                </a:solidFill>
-                <a:effectLst/>
-                <a:latin typeface="VIC"/>
-              </a:rPr>
-              <a:t>surbs</a:t>
-            </a:r>
-            <a:r>
-              <a:rPr lang="en-US" b="0" i="0" dirty="0">
-                <a:solidFill>
-                  <a:srgbClr val="000000"/>
-                </a:solidFill>
-                <a:effectLst/>
-                <a:latin typeface="VIC"/>
-              </a:rPr>
-              <a:t>, we have created the line chart showing the Melbourne price movement with time. Starting at $</a:t>
-            </a:r>
-            <a:r>
-              <a:rPr lang="en-AU" b="0" i="0" dirty="0">
-                <a:effectLst/>
-                <a:highlight>
-                  <a:srgbClr val="E1F5FE"/>
-                </a:highlight>
-                <a:latin typeface="system-ui"/>
-              </a:rPr>
-              <a:t>470,395.08 in 2013, the median house price for Melbourne has increased to $695,069.46, then the median house price rise slowly and dropped to $</a:t>
-            </a:r>
-            <a:r>
-              <a:rPr lang="en-AU" b="0" i="0" dirty="0">
-                <a:effectLst/>
-                <a:highlight>
-                  <a:srgbClr val="FFFFFF"/>
-                </a:highlight>
-                <a:latin typeface="system-ui"/>
-              </a:rPr>
-              <a:t>695089.00 in 2019. </a:t>
-            </a:r>
-          </a:p>
-          <a:p>
-            <a:endParaRPr lang="en-AU" b="0" i="0" dirty="0">
-              <a:solidFill>
-                <a:srgbClr val="000000"/>
-              </a:solidFill>
-              <a:effectLst/>
-              <a:highlight>
-                <a:srgbClr val="FFFFFF"/>
-              </a:highlight>
-              <a:latin typeface="system-ui"/>
-            </a:endParaRPr>
-          </a:p>
-          <a:p>
-            <a:r>
-              <a:rPr lang="en-AU" b="0" i="0" dirty="0">
+            <a:pPr algn="l" rtl="0" fontAlgn="base"/>
+            <a:r>
+              <a:rPr lang="en-GB" sz="1800" b="0" i="0" dirty="0">
                 <a:solidFill>
                   <a:srgbClr val="000000"/>
                 </a:solidFill>
@@ -2593,44 +2762,253 @@
                 <a:highlight>
                   <a:srgbClr val="FFFFFF"/>
                 </a:highlight>
-                <a:latin typeface="system-ui"/>
+                <a:latin typeface="Times New Roman" panose="02020603050405020304" pitchFamily="18" charset="0"/>
               </a:rPr>
-              <a:t>Interestingly, we see a similar trend from 2019 to 2023, with a steady increase to $</a:t>
-            </a:r>
-            <a:r>
-              <a:rPr lang="en-AU" b="0" i="0" dirty="0">
+              <a:t>When house prices go up, it becomes harder for people to afford to buy a home. This is because higher prices mean you need more money to buy a house. For many people, especially those with average incomes, this can make buying a home too expensive.  </a:t>
+            </a:r>
+            <a:endParaRPr lang="en-GB" sz="2800" b="0" i="0" dirty="0">
+              <a:solidFill>
+                <a:srgbClr val="000000"/>
+              </a:solidFill>
+              <a:effectLst/>
+              <a:highlight>
+                <a:srgbClr val="FFFFFF"/>
+              </a:highlight>
+              <a:latin typeface="Segoe UI" panose="020B0502040204020203" pitchFamily="34" charset="0"/>
+            </a:endParaRPr>
+          </a:p>
+          <a:p>
+            <a:pPr algn="l" rtl="0" fontAlgn="base"/>
+            <a:r>
+              <a:rPr lang="en-GB" sz="1800" b="0" i="0" dirty="0">
+                <a:solidFill>
+                  <a:srgbClr val="000000"/>
+                </a:solidFill>
                 <a:effectLst/>
                 <a:highlight>
-                  <a:srgbClr val="F5F5F5"/>
+                  <a:srgbClr val="FFFFFF"/>
                 </a:highlight>
-                <a:latin typeface="system-ui"/>
+                <a:latin typeface="Times New Roman" panose="02020603050405020304" pitchFamily="18" charset="0"/>
               </a:rPr>
-              <a:t>939,518.09 then a drop of 9% in the median price. This drop is mainly related to the increase population in 2023 after the pandemic.</a:t>
-            </a:r>
-            <a:endParaRPr lang="en-US" b="0" i="0" dirty="0">
+              <a:t> </a:t>
+            </a:r>
+            <a:endParaRPr lang="en-GB" sz="2800" b="0" i="0" dirty="0">
               <a:solidFill>
                 <a:srgbClr val="000000"/>
               </a:solidFill>
               <a:effectLst/>
-              <a:latin typeface="VIC"/>
+              <a:highlight>
+                <a:srgbClr val="FFFFFF"/>
+              </a:highlight>
+              <a:latin typeface="Segoe UI" panose="020B0502040204020203" pitchFamily="34" charset="0"/>
             </a:endParaRPr>
           </a:p>
           <a:p>
-            <a:endParaRPr lang="en-US" b="0" i="0" dirty="0">
+            <a:pPr algn="l" rtl="0" fontAlgn="base"/>
+            <a:r>
+              <a:rPr lang="en-GB" sz="1800" b="0" i="0" dirty="0">
+                <a:solidFill>
+                  <a:srgbClr val="000000"/>
+                </a:solidFill>
+                <a:effectLst/>
+                <a:highlight>
+                  <a:srgbClr val="FFFFFF"/>
+                </a:highlight>
+                <a:latin typeface="Times New Roman" panose="02020603050405020304" pitchFamily="18" charset="0"/>
+              </a:rPr>
+              <a:t>As house prices increase more significantly in suburbs with good schools, affordability becomes a critical issue. ​ </a:t>
+            </a:r>
+            <a:endParaRPr lang="en-GB" sz="2800" b="0" i="0" dirty="0">
               <a:solidFill>
                 <a:srgbClr val="000000"/>
               </a:solidFill>
               <a:effectLst/>
-              <a:latin typeface="VIC"/>
+              <a:highlight>
+                <a:srgbClr val="FFFFFF"/>
+              </a:highlight>
+              <a:latin typeface="Segoe UI" panose="020B0502040204020203" pitchFamily="34" charset="0"/>
             </a:endParaRPr>
           </a:p>
           <a:p>
-            <a:endParaRPr lang="en-US" b="0" i="0" dirty="0">
+            <a:pPr algn="l" rtl="0" fontAlgn="base"/>
+            <a:r>
+              <a:rPr lang="en-GB" sz="1800" b="0" i="0" dirty="0">
+                <a:solidFill>
+                  <a:srgbClr val="000000"/>
+                </a:solidFill>
+                <a:effectLst/>
+                <a:highlight>
+                  <a:srgbClr val="FFFFFF"/>
+                </a:highlight>
+                <a:latin typeface="Times New Roman" panose="02020603050405020304" pitchFamily="18" charset="0"/>
+              </a:rPr>
+              <a:t> </a:t>
+            </a:r>
+            <a:endParaRPr lang="en-GB" sz="2800" b="0" i="0" dirty="0">
               <a:solidFill>
                 <a:srgbClr val="000000"/>
               </a:solidFill>
               <a:effectLst/>
-              <a:latin typeface="VIC"/>
+              <a:highlight>
+                <a:srgbClr val="FFFFFF"/>
+              </a:highlight>
+              <a:latin typeface="Segoe UI" panose="020B0502040204020203" pitchFamily="34" charset="0"/>
+            </a:endParaRPr>
+          </a:p>
+          <a:p>
+            <a:pPr algn="l" rtl="0" fontAlgn="base"/>
+            <a:r>
+              <a:rPr lang="en-GB" sz="1800" b="0" i="0" dirty="0">
+                <a:solidFill>
+                  <a:srgbClr val="000000"/>
+                </a:solidFill>
+                <a:effectLst/>
+                <a:highlight>
+                  <a:srgbClr val="FFFFFF"/>
+                </a:highlight>
+                <a:latin typeface="Times New Roman" panose="02020603050405020304" pitchFamily="18" charset="0"/>
+              </a:rPr>
+              <a:t>Higher house prices mean that the cost of buying a home in these desirable areas increases faster than in areas with lower-ranked schools. ​ </a:t>
+            </a:r>
+            <a:endParaRPr lang="en-GB" sz="2800" b="0" i="0" dirty="0">
+              <a:solidFill>
+                <a:srgbClr val="000000"/>
+              </a:solidFill>
+              <a:effectLst/>
+              <a:highlight>
+                <a:srgbClr val="FFFFFF"/>
+              </a:highlight>
+              <a:latin typeface="Segoe UI" panose="020B0502040204020203" pitchFamily="34" charset="0"/>
+            </a:endParaRPr>
+          </a:p>
+          <a:p>
+            <a:pPr algn="l" rtl="0" fontAlgn="base"/>
+            <a:r>
+              <a:rPr lang="en-GB" sz="1800" b="0" i="0" dirty="0">
+                <a:solidFill>
+                  <a:srgbClr val="000000"/>
+                </a:solidFill>
+                <a:effectLst/>
+                <a:highlight>
+                  <a:srgbClr val="FFFFFF"/>
+                </a:highlight>
+                <a:latin typeface="Times New Roman" panose="02020603050405020304" pitchFamily="18" charset="0"/>
+              </a:rPr>
+              <a:t> </a:t>
+            </a:r>
+            <a:endParaRPr lang="en-GB" sz="2800" b="0" i="0" dirty="0">
+              <a:solidFill>
+                <a:srgbClr val="000000"/>
+              </a:solidFill>
+              <a:effectLst/>
+              <a:highlight>
+                <a:srgbClr val="FFFFFF"/>
+              </a:highlight>
+              <a:latin typeface="Segoe UI" panose="020B0502040204020203" pitchFamily="34" charset="0"/>
+            </a:endParaRPr>
+          </a:p>
+          <a:p>
+            <a:pPr algn="l" rtl="0" fontAlgn="base"/>
+            <a:r>
+              <a:rPr lang="en-GB" sz="1800" b="0" i="0" dirty="0">
+                <a:solidFill>
+                  <a:srgbClr val="000000"/>
+                </a:solidFill>
+                <a:effectLst/>
+                <a:highlight>
+                  <a:srgbClr val="FFFFFF"/>
+                </a:highlight>
+                <a:latin typeface="Times New Roman" panose="02020603050405020304" pitchFamily="18" charset="0"/>
+              </a:rPr>
+              <a:t>For middle-income families, the rising house prices can make it difficult to afford homes in these areas, potentially limiting access to good public schools based on financial constraints. ​ </a:t>
+            </a:r>
+            <a:endParaRPr lang="en-GB" sz="2800" b="0" i="0" dirty="0">
+              <a:solidFill>
+                <a:srgbClr val="000000"/>
+              </a:solidFill>
+              <a:effectLst/>
+              <a:highlight>
+                <a:srgbClr val="FFFFFF"/>
+              </a:highlight>
+              <a:latin typeface="Segoe UI" panose="020B0502040204020203" pitchFamily="34" charset="0"/>
+            </a:endParaRPr>
+          </a:p>
+          <a:p>
+            <a:pPr algn="l" rtl="0" fontAlgn="base"/>
+            <a:r>
+              <a:rPr lang="en-GB" sz="1800" b="0" i="0" dirty="0">
+                <a:solidFill>
+                  <a:srgbClr val="000000"/>
+                </a:solidFill>
+                <a:effectLst/>
+                <a:highlight>
+                  <a:srgbClr val="FFFFFF"/>
+                </a:highlight>
+                <a:latin typeface="Times New Roman" panose="02020603050405020304" pitchFamily="18" charset="0"/>
+              </a:rPr>
+              <a:t> </a:t>
+            </a:r>
+            <a:endParaRPr lang="en-GB" sz="2800" b="0" i="0" dirty="0">
+              <a:solidFill>
+                <a:srgbClr val="000000"/>
+              </a:solidFill>
+              <a:effectLst/>
+              <a:highlight>
+                <a:srgbClr val="FFFFFF"/>
+              </a:highlight>
+              <a:latin typeface="Segoe UI" panose="020B0502040204020203" pitchFamily="34" charset="0"/>
+            </a:endParaRPr>
+          </a:p>
+          <a:p>
+            <a:pPr algn="l" rtl="0" fontAlgn="base"/>
+            <a:r>
+              <a:rPr lang="en-GB" sz="1800" b="0" i="0">
+                <a:solidFill>
+                  <a:srgbClr val="000000"/>
+                </a:solidFill>
+                <a:effectLst/>
+                <a:highlight>
+                  <a:srgbClr val="FFFFFF"/>
+                </a:highlight>
+                <a:latin typeface="Times New Roman" panose="02020603050405020304" pitchFamily="18" charset="0"/>
+              </a:rPr>
+              <a:t>This can lead to a socio-economic divide where only wealthier families can afford to live in suburbs with the best schools, aggravate inequality in educational opportunities.</a:t>
+            </a:r>
+            <a:endParaRPr lang="en-GB" sz="2800" b="0" i="0">
+              <a:solidFill>
+                <a:srgbClr val="000000"/>
+              </a:solidFill>
+              <a:effectLst/>
+              <a:highlight>
+                <a:srgbClr val="FFFFFF"/>
+              </a:highlight>
+              <a:latin typeface="Segoe UI" panose="020B0502040204020203" pitchFamily="34" charset="0"/>
+            </a:endParaRPr>
+          </a:p>
+          <a:p>
+            <a:pPr algn="l" rtl="0" fontAlgn="base"/>
+            <a:r>
+              <a:rPr lang="en-GB" sz="1200" b="0" i="0">
+                <a:solidFill>
+                  <a:srgbClr val="000000"/>
+                </a:solidFill>
+                <a:effectLst/>
+                <a:highlight>
+                  <a:srgbClr val="FFFFFF"/>
+                </a:highlight>
+                <a:latin typeface="Segoe UI" panose="020B0502040204020203" pitchFamily="34" charset="0"/>
+              </a:rPr>
+              <a:t> </a:t>
+            </a:r>
+            <a:endParaRPr lang="en-GB" b="0" i="0" dirty="0">
+              <a:solidFill>
+                <a:srgbClr val="000000"/>
+              </a:solidFill>
+              <a:effectLst/>
+              <a:highlight>
+                <a:srgbClr val="FFFFFF"/>
+              </a:highlight>
+              <a:latin typeface="Segoe UI" panose="020B0502040204020203" pitchFamily="34" charset="0"/>
             </a:endParaRPr>
           </a:p>
           <a:p>
@@ -2653,6 +3031,246 @@
           <a:bodyPr/>
           <a:lstStyle/>
           <a:p>
+            <a:fld id="{18663E61-4226-41C9-96C1-7B6A185AA244}" type="slidenum">
+              <a:rPr lang="en-AU" smtClean="0"/>
+              <a:t>11</a:t>
+            </a:fld>
+            <a:endParaRPr lang="en-AU"/>
+          </a:p>
+        </p:txBody>
+      </p:sp>
+    </p:spTree>
+    <p:extLst>
+      <p:ext uri="{BB962C8B-B14F-4D97-AF65-F5344CB8AC3E}">
+        <p14:creationId xmlns:p14="http://schemas.microsoft.com/office/powerpoint/2010/main" val="605268195"/>
+      </p:ext>
+    </p:extLst>
+  </p:cSld>
+  <p:clrMapOvr>
+    <a:masterClrMapping/>
+  </p:clrMapOvr>
+</p:notes>
+</file>
+
+<file path=ppt/notesSlides/notesSlide6.xml><?xml version="1.0" encoding="utf-8"?>
+<p:notes xmlns:a="http://schemas.openxmlformats.org/drawingml/2006/main" xmlns:r="http://schemas.openxmlformats.org/officeDocument/2006/relationships" xmlns:p="http://schemas.openxmlformats.org/presentationml/2006/main">
+  <p:cSld>
+    <p:spTree>
+      <p:nvGrpSpPr>
+        <p:cNvPr id="1" name=""/>
+        <p:cNvGrpSpPr/>
+        <p:nvPr/>
+      </p:nvGrpSpPr>
+      <p:grpSpPr>
+        <a:xfrm>
+          <a:off x="0" y="0"/>
+          <a:ext cx="0" cy="0"/>
+          <a:chOff x="0" y="0"/>
+          <a:chExt cx="0" cy="0"/>
+        </a:xfrm>
+      </p:grpSpPr>
+      <p:sp>
+        <p:nvSpPr>
+          <p:cNvPr id="2" name="Slide Image Placeholder 1"/>
+          <p:cNvSpPr>
+            <a:spLocks noGrp="1" noRot="1" noChangeAspect="1"/>
+          </p:cNvSpPr>
+          <p:nvPr>
+            <p:ph type="sldImg"/>
+          </p:nvPr>
+        </p:nvSpPr>
+        <p:spPr/>
+      </p:sp>
+      <p:sp>
+        <p:nvSpPr>
+          <p:cNvPr id="3" name="Notes Placeholder 2"/>
+          <p:cNvSpPr>
+            <a:spLocks noGrp="1"/>
+          </p:cNvSpPr>
+          <p:nvPr>
+            <p:ph type="body" idx="1"/>
+          </p:nvPr>
+        </p:nvSpPr>
+        <p:spPr/>
+        <p:txBody>
+          <a:bodyPr/>
+          <a:lstStyle/>
+          <a:p>
+            <a:r>
+              <a:rPr lang="en-US" b="0" i="0" dirty="0">
+                <a:solidFill>
+                  <a:srgbClr val="000000"/>
+                </a:solidFill>
+                <a:effectLst/>
+                <a:latin typeface="VIC"/>
+              </a:rPr>
+              <a:t>The data is compiled using information lodged every time a property sale is completed. It provides property statistics for Victoria's 79 municipalities and yearly medians by suburb over a 10-year period.</a:t>
+            </a:r>
+          </a:p>
+          <a:p>
+            <a:endParaRPr lang="en-US" b="0" i="0" dirty="0">
+              <a:solidFill>
+                <a:srgbClr val="000000"/>
+              </a:solidFill>
+              <a:effectLst/>
+              <a:latin typeface="VIC"/>
+            </a:endParaRPr>
+          </a:p>
+          <a:p>
+            <a:r>
+              <a:rPr lang="en-US" b="0" i="0" dirty="0">
+                <a:solidFill>
+                  <a:srgbClr val="000000"/>
+                </a:solidFill>
+                <a:effectLst/>
+                <a:latin typeface="VIC"/>
+              </a:rPr>
+              <a:t>Over the past 10 year, we have see an increasing trend for all suburbs except for QUAMBATOOK, which has 7 % decrease in growth.</a:t>
+            </a:r>
+          </a:p>
+          <a:p>
+            <a:endParaRPr lang="en-US" b="0" i="0" dirty="0">
+              <a:solidFill>
+                <a:srgbClr val="000000"/>
+              </a:solidFill>
+              <a:effectLst/>
+              <a:latin typeface="VIC"/>
+            </a:endParaRPr>
+          </a:p>
+          <a:p>
+            <a:r>
+              <a:rPr lang="en-US" b="0" i="0" dirty="0">
+                <a:solidFill>
+                  <a:srgbClr val="000000"/>
+                </a:solidFill>
+                <a:effectLst/>
+                <a:latin typeface="VIC"/>
+              </a:rPr>
+              <a:t>After we have calculated the mean for all </a:t>
+            </a:r>
+            <a:r>
+              <a:rPr lang="en-US" b="0" i="0" dirty="0" err="1">
+                <a:solidFill>
+                  <a:srgbClr val="000000"/>
+                </a:solidFill>
+                <a:effectLst/>
+                <a:latin typeface="VIC"/>
+              </a:rPr>
+              <a:t>surbs</a:t>
+            </a:r>
+            <a:r>
+              <a:rPr lang="en-US" b="0" i="0" dirty="0">
+                <a:solidFill>
+                  <a:srgbClr val="000000"/>
+                </a:solidFill>
+                <a:effectLst/>
+                <a:latin typeface="VIC"/>
+              </a:rPr>
+              <a:t>, we have created the line chart showing the Melbourne price movement with time. Starting at $</a:t>
+            </a:r>
+            <a:r>
+              <a:rPr lang="en-AU" b="0" i="0" dirty="0">
+                <a:effectLst/>
+                <a:highlight>
+                  <a:srgbClr val="E1F5FE"/>
+                </a:highlight>
+                <a:latin typeface="system-ui"/>
+              </a:rPr>
+              <a:t>470,395.08 in 2013, the median house price for Melbourne has increased to $695,069.46, then the median house price rise slowly and dropped to $</a:t>
+            </a:r>
+            <a:r>
+              <a:rPr lang="en-AU" b="0" i="0" dirty="0">
+                <a:effectLst/>
+                <a:highlight>
+                  <a:srgbClr val="FFFFFF"/>
+                </a:highlight>
+                <a:latin typeface="system-ui"/>
+              </a:rPr>
+              <a:t>695089.00 in 2019. </a:t>
+            </a:r>
+          </a:p>
+          <a:p>
+            <a:endParaRPr lang="en-AU" b="0" i="0" dirty="0">
+              <a:solidFill>
+                <a:srgbClr val="000000"/>
+              </a:solidFill>
+              <a:effectLst/>
+              <a:highlight>
+                <a:srgbClr val="FFFFFF"/>
+              </a:highlight>
+              <a:latin typeface="system-ui"/>
+            </a:endParaRPr>
+          </a:p>
+          <a:p>
+            <a:r>
+              <a:rPr lang="en-AU" b="0" i="0" dirty="0">
+                <a:solidFill>
+                  <a:srgbClr val="000000"/>
+                </a:solidFill>
+                <a:effectLst/>
+                <a:highlight>
+                  <a:srgbClr val="FFFFFF"/>
+                </a:highlight>
+                <a:latin typeface="system-ui"/>
+              </a:rPr>
+              <a:t>Interestingly, we see a similar trend from 2019 to 2023, with a steady increase to $</a:t>
+            </a:r>
+            <a:r>
+              <a:rPr lang="en-AU" b="0" i="0" dirty="0">
+                <a:effectLst/>
+                <a:highlight>
+                  <a:srgbClr val="F5F5F5"/>
+                </a:highlight>
+                <a:latin typeface="system-ui"/>
+              </a:rPr>
+              <a:t>939,518.09 then a drop of 9% in the median price. This drop is mainly related to the increase population in 2023 after the pandemic.</a:t>
+            </a:r>
+            <a:endParaRPr lang="en-US" b="0" i="0" dirty="0">
+              <a:solidFill>
+                <a:srgbClr val="000000"/>
+              </a:solidFill>
+              <a:effectLst/>
+              <a:latin typeface="VIC"/>
+            </a:endParaRPr>
+          </a:p>
+          <a:p>
+            <a:endParaRPr lang="en-US" b="0" i="0" dirty="0">
+              <a:solidFill>
+                <a:srgbClr val="000000"/>
+              </a:solidFill>
+              <a:effectLst/>
+              <a:latin typeface="VIC"/>
+            </a:endParaRPr>
+          </a:p>
+          <a:p>
+            <a:endParaRPr lang="en-US" b="0" i="0" dirty="0">
+              <a:solidFill>
+                <a:srgbClr val="000000"/>
+              </a:solidFill>
+              <a:effectLst/>
+              <a:latin typeface="VIC"/>
+            </a:endParaRPr>
+          </a:p>
+          <a:p>
+            <a:endParaRPr lang="en-AU" dirty="0"/>
+          </a:p>
+        </p:txBody>
+      </p:sp>
+      <p:sp>
+        <p:nvSpPr>
+          <p:cNvPr id="4" name="Slide Number Placeholder 3"/>
+          <p:cNvSpPr>
+            <a:spLocks noGrp="1"/>
+          </p:cNvSpPr>
+          <p:nvPr>
+            <p:ph type="sldNum" sz="quarter" idx="5"/>
+          </p:nvPr>
+        </p:nvSpPr>
+        <p:spPr/>
+        <p:txBody>
+          <a:bodyPr/>
+          <a:lstStyle/>
+          <a:p>
             <a:fld id="{C92BEACA-CFC5-497B-A5EE-8F0D850CC7CC}" type="slidenum">
               <a:rPr lang="en-AU" smtClean="0"/>
               <a:t>13</a:t>
@@ -2674,7 +3292,7 @@
 </p:notes>
 </file>
 
-<file path=ppt/notesSlides/notesSlide6.xml><?xml version="1.0" encoding="utf-8"?>
+<file path=ppt/notesSlides/notesSlide7.xml><?xml version="1.0" encoding="utf-8"?>
 <p:notes xmlns:a="http://schemas.openxmlformats.org/drawingml/2006/main" xmlns:r="http://schemas.openxmlformats.org/officeDocument/2006/relationships" xmlns:p="http://schemas.openxmlformats.org/presentationml/2006/main">
   <p:cSld>
     <p:spTree>
@@ -20466,7 +21084,7 @@
               <a:rPr lang="en-AU" dirty="0">
                 <a:latin typeface="Arial" panose="020B0604020202020204" pitchFamily="34" charset="0"/>
                 <a:cs typeface="Arial" panose="020B0604020202020204" pitchFamily="34" charset="0"/>
-                <a:hlinkClick r:id="rId2"/>
+                <a:hlinkClick r:id="rId3"/>
               </a:rPr>
               <a:t>https://bettereducation.com.au/</a:t>
             </a:r>
@@ -20489,7 +21107,7 @@
               <a:rPr lang="en-US" dirty="0">
                 <a:latin typeface="Arial" panose="020B0604020202020204" pitchFamily="34" charset="0"/>
                 <a:cs typeface="Arial" panose="020B0604020202020204" pitchFamily="34" charset="0"/>
-                <a:hlinkClick r:id="rId3"/>
+                <a:hlinkClick r:id="rId4"/>
               </a:rPr>
               <a:t>Property sales statistics (land.vic.gov.au)</a:t>
             </a:r>
